--- a/presentation/presentation_1.1.1.pptx
+++ b/presentation/presentation_1.1.1.pptx
@@ -25,8 +25,8 @@
     <p:sldId id="269" r:id="rId13"/>
     <p:sldId id="277" r:id="rId14"/>
     <p:sldId id="278" r:id="rId15"/>
-    <p:sldId id="279" r:id="rId16"/>
-    <p:sldId id="281" r:id="rId17"/>
+    <p:sldId id="294" r:id="rId16"/>
+    <p:sldId id="279" r:id="rId17"/>
     <p:sldId id="282" r:id="rId18"/>
     <p:sldId id="280" r:id="rId19"/>
     <p:sldId id="291" r:id="rId20"/>
@@ -5142,11 +5142,15 @@
             </a:r>
             <a:r>
               <a:rPr lang="en-GB" altLang="en-US" dirty="0" err="1" smtClean="0"/>
-              <a:t>quê</a:t>
+              <a:t>que</a:t>
             </a:r>
             <a:r>
               <a:rPr lang="en-GB" altLang="en-US" dirty="0" smtClean="0"/>
-              <a:t> se </a:t>
+              <a:t> </a:t>
+            </a:r>
+            <a:r>
+              <a:rPr lang="en-GB" altLang="en-US" dirty="0" smtClean="0"/>
+              <a:t>se </a:t>
             </a:r>
             <a:r>
               <a:rPr lang="en-GB" altLang="en-US" dirty="0" err="1" smtClean="0"/>
@@ -5978,6 +5982,2669 @@
 </file>
 
 <file path=ppt/slides/slide15.xml><?xml version="1.0" encoding="utf-8"?>
+<p:sld xmlns:a="http://schemas.openxmlformats.org/drawingml/2006/main" xmlns:r="http://schemas.openxmlformats.org/officeDocument/2006/relationships" xmlns:p="http://schemas.openxmlformats.org/presentationml/2006/main">
+  <p:cSld>
+    <p:spTree>
+      <p:nvGrpSpPr>
+        <p:cNvPr id="1" name=""/>
+        <p:cNvGrpSpPr/>
+        <p:nvPr/>
+      </p:nvGrpSpPr>
+      <p:grpSpPr>
+        <a:xfrm>
+          <a:off x="0" y="0"/>
+          <a:ext cx="0" cy="0"/>
+          <a:chOff x="0" y="0"/>
+          <a:chExt cx="0" cy="0"/>
+        </a:xfrm>
+      </p:grpSpPr>
+      <p:sp>
+        <p:nvSpPr>
+          <p:cNvPr id="19458" name="Rectangle 2"/>
+          <p:cNvSpPr>
+            <a:spLocks noGrp="1" noChangeArrowheads="1"/>
+          </p:cNvSpPr>
+          <p:nvPr>
+            <p:ph type="title"/>
+          </p:nvPr>
+        </p:nvSpPr>
+        <p:spPr/>
+        <p:txBody>
+          <a:bodyPr/>
+          <a:lstStyle/>
+          <a:p>
+            <a:r>
+              <a:rPr lang="en-GB" altLang="en-US" dirty="0" smtClean="0"/>
+              <a:t>CMMI - PPQA</a:t>
+            </a:r>
+            <a:endParaRPr lang="en-GB" altLang="en-US" dirty="0"/>
+          </a:p>
+        </p:txBody>
+      </p:sp>
+      <p:sp>
+        <p:nvSpPr>
+          <p:cNvPr id="19459" name="Rectangle 3"/>
+          <p:cNvSpPr>
+            <a:spLocks noGrp="1" noChangeArrowheads="1"/>
+          </p:cNvSpPr>
+          <p:nvPr>
+            <p:ph type="body" idx="1"/>
+          </p:nvPr>
+        </p:nvSpPr>
+        <p:spPr/>
+        <p:txBody>
+          <a:bodyPr/>
+          <a:lstStyle/>
+          <a:p>
+            <a:pPr lvl="1"/>
+            <a:r>
+              <a:rPr lang="en-GB" altLang="en-US" dirty="0" err="1" smtClean="0">
+                <a:cs typeface="Arial" pitchFamily="34" charset="0"/>
+              </a:rPr>
+              <a:t>Áreas</a:t>
+            </a:r>
+            <a:r>
+              <a:rPr lang="en-GB" altLang="en-US" dirty="0" smtClean="0">
+                <a:cs typeface="Arial" pitchFamily="34" charset="0"/>
+              </a:rPr>
+              <a:t> de </a:t>
+            </a:r>
+            <a:r>
+              <a:rPr lang="en-GB" altLang="en-US" dirty="0" err="1" smtClean="0">
+                <a:cs typeface="Arial" pitchFamily="34" charset="0"/>
+              </a:rPr>
+              <a:t>processos</a:t>
+            </a:r>
+            <a:r>
+              <a:rPr lang="en-GB" altLang="en-US" dirty="0" smtClean="0">
+                <a:cs typeface="Arial" pitchFamily="34" charset="0"/>
+              </a:rPr>
+              <a:t> </a:t>
+            </a:r>
+            <a:r>
+              <a:rPr lang="en-GB" altLang="en-US" dirty="0" err="1" smtClean="0">
+                <a:cs typeface="Arial" pitchFamily="34" charset="0"/>
+              </a:rPr>
+              <a:t>agregadas</a:t>
+            </a:r>
+            <a:r>
+              <a:rPr lang="en-GB" altLang="en-US" dirty="0" smtClean="0">
+                <a:cs typeface="Arial" pitchFamily="34" charset="0"/>
+              </a:rPr>
+              <a:t> </a:t>
+            </a:r>
+            <a:r>
+              <a:rPr lang="en-GB" altLang="en-US" dirty="0" err="1" smtClean="0">
+                <a:cs typeface="Arial" pitchFamily="34" charset="0"/>
+              </a:rPr>
+              <a:t>por</a:t>
+            </a:r>
+            <a:r>
+              <a:rPr lang="en-GB" altLang="en-US" dirty="0" smtClean="0">
+                <a:cs typeface="Arial" pitchFamily="34" charset="0"/>
+              </a:rPr>
+              <a:t> </a:t>
+            </a:r>
+            <a:r>
+              <a:rPr lang="en-GB" altLang="en-US" dirty="0" err="1" smtClean="0">
+                <a:cs typeface="Arial" pitchFamily="34" charset="0"/>
+              </a:rPr>
+              <a:t>nível</a:t>
+            </a:r>
+            <a:r>
+              <a:rPr lang="en-GB" altLang="en-US" dirty="0" smtClean="0">
+                <a:cs typeface="Arial" pitchFamily="34" charset="0"/>
+              </a:rPr>
+              <a:t> de </a:t>
+            </a:r>
+            <a:r>
+              <a:rPr lang="en-GB" altLang="en-US" dirty="0" err="1" smtClean="0">
+                <a:cs typeface="Arial" pitchFamily="34" charset="0"/>
+              </a:rPr>
+              <a:t>maturidade</a:t>
+            </a:r>
+            <a:endParaRPr lang="en-GB" altLang="en-US" dirty="0" smtClean="0">
+              <a:cs typeface="Arial" pitchFamily="34" charset="0"/>
+            </a:endParaRPr>
+          </a:p>
+        </p:txBody>
+      </p:sp>
+      <p:grpSp>
+        <p:nvGrpSpPr>
+          <p:cNvPr id="17" name="Grupo 16"/>
+          <p:cNvGrpSpPr/>
+          <p:nvPr/>
+        </p:nvGrpSpPr>
+        <p:grpSpPr>
+          <a:xfrm>
+            <a:off x="2051720" y="2132856"/>
+            <a:ext cx="6624736" cy="4536505"/>
+            <a:chOff x="0" y="-57765"/>
+            <a:chExt cx="5989925" cy="3639164"/>
+          </a:xfrm>
+        </p:grpSpPr>
+        <p:grpSp>
+          <p:nvGrpSpPr>
+            <p:cNvPr id="18" name="Group 14"/>
+            <p:cNvGrpSpPr/>
+            <p:nvPr/>
+          </p:nvGrpSpPr>
+          <p:grpSpPr>
+            <a:xfrm>
+              <a:off x="0" y="47624"/>
+              <a:ext cx="4038600" cy="3533775"/>
+              <a:chOff x="0" y="47624"/>
+              <a:chExt cx="4038600" cy="3533775"/>
+            </a:xfrm>
+          </p:grpSpPr>
+          <p:sp>
+            <p:nvSpPr>
+              <p:cNvPr id="40" name="Rectangle 1"/>
+              <p:cNvSpPr/>
+              <p:nvPr/>
+            </p:nvSpPr>
+            <p:spPr>
+              <a:xfrm>
+                <a:off x="0" y="3067049"/>
+                <a:ext cx="1638300" cy="514350"/>
+              </a:xfrm>
+              <a:prstGeom prst="rect">
+                <a:avLst/>
+              </a:prstGeom>
+              <a:solidFill>
+                <a:schemeClr val="accent2">
+                  <a:lumMod val="40000"/>
+                  <a:lumOff val="60000"/>
+                </a:schemeClr>
+              </a:solidFill>
+              <a:ln>
+                <a:noFill/>
+              </a:ln>
+              <a:effectLst>
+                <a:outerShdw blurRad="44450" dist="27940" dir="5400000" algn="ctr">
+                  <a:srgbClr val="000000">
+                    <a:alpha val="32000"/>
+                  </a:srgbClr>
+                </a:outerShdw>
+              </a:effectLst>
+              <a:scene3d>
+                <a:camera prst="orthographicFront">
+                  <a:rot lat="0" lon="0" rev="0"/>
+                </a:camera>
+                <a:lightRig rig="balanced" dir="t">
+                  <a:rot lat="0" lon="0" rev="8700000"/>
+                </a:lightRig>
+              </a:scene3d>
+              <a:sp3d>
+                <a:bevelT w="190500" h="38100"/>
+              </a:sp3d>
+            </p:spPr>
+            <p:style>
+              <a:lnRef idx="2">
+                <a:schemeClr val="accent1">
+                  <a:shade val="50000"/>
+                </a:schemeClr>
+              </a:lnRef>
+              <a:fillRef idx="1">
+                <a:schemeClr val="accent1"/>
+              </a:fillRef>
+              <a:effectRef idx="0">
+                <a:schemeClr val="accent1"/>
+              </a:effectRef>
+              <a:fontRef idx="minor">
+                <a:schemeClr val="lt1"/>
+              </a:fontRef>
+            </p:style>
+            <p:txBody>
+              <a:bodyPr rtlCol="0" anchor="ctr"/>
+              <a:lstStyle>
+                <a:lvl1pPr marL="0" indent="0">
+                  <a:defRPr sz="1100">
+                    <a:solidFill>
+                      <a:schemeClr val="lt1"/>
+                    </a:solidFill>
+                    <a:latin typeface="+mn-lt"/>
+                    <a:ea typeface="+mn-ea"/>
+                    <a:cs typeface="+mn-cs"/>
+                  </a:defRPr>
+                </a:lvl1pPr>
+                <a:lvl2pPr marL="457200" indent="0">
+                  <a:defRPr sz="1100">
+                    <a:solidFill>
+                      <a:schemeClr val="lt1"/>
+                    </a:solidFill>
+                    <a:latin typeface="+mn-lt"/>
+                    <a:ea typeface="+mn-ea"/>
+                    <a:cs typeface="+mn-cs"/>
+                  </a:defRPr>
+                </a:lvl2pPr>
+                <a:lvl3pPr marL="914400" indent="0">
+                  <a:defRPr sz="1100">
+                    <a:solidFill>
+                      <a:schemeClr val="lt1"/>
+                    </a:solidFill>
+                    <a:latin typeface="+mn-lt"/>
+                    <a:ea typeface="+mn-ea"/>
+                    <a:cs typeface="+mn-cs"/>
+                  </a:defRPr>
+                </a:lvl3pPr>
+                <a:lvl4pPr marL="1371600" indent="0">
+                  <a:defRPr sz="1100">
+                    <a:solidFill>
+                      <a:schemeClr val="lt1"/>
+                    </a:solidFill>
+                    <a:latin typeface="+mn-lt"/>
+                    <a:ea typeface="+mn-ea"/>
+                    <a:cs typeface="+mn-cs"/>
+                  </a:defRPr>
+                </a:lvl4pPr>
+                <a:lvl5pPr marL="1828800" indent="0">
+                  <a:defRPr sz="1100">
+                    <a:solidFill>
+                      <a:schemeClr val="lt1"/>
+                    </a:solidFill>
+                    <a:latin typeface="+mn-lt"/>
+                    <a:ea typeface="+mn-ea"/>
+                    <a:cs typeface="+mn-cs"/>
+                  </a:defRPr>
+                </a:lvl5pPr>
+                <a:lvl6pPr marL="2286000" indent="0">
+                  <a:defRPr sz="1100">
+                    <a:solidFill>
+                      <a:schemeClr val="lt1"/>
+                    </a:solidFill>
+                    <a:latin typeface="+mn-lt"/>
+                    <a:ea typeface="+mn-ea"/>
+                    <a:cs typeface="+mn-cs"/>
+                  </a:defRPr>
+                </a:lvl6pPr>
+                <a:lvl7pPr marL="2743200" indent="0">
+                  <a:defRPr sz="1100">
+                    <a:solidFill>
+                      <a:schemeClr val="lt1"/>
+                    </a:solidFill>
+                    <a:latin typeface="+mn-lt"/>
+                    <a:ea typeface="+mn-ea"/>
+                    <a:cs typeface="+mn-cs"/>
+                  </a:defRPr>
+                </a:lvl7pPr>
+                <a:lvl8pPr marL="3200400" indent="0">
+                  <a:defRPr sz="1100">
+                    <a:solidFill>
+                      <a:schemeClr val="lt1"/>
+                    </a:solidFill>
+                    <a:latin typeface="+mn-lt"/>
+                    <a:ea typeface="+mn-ea"/>
+                    <a:cs typeface="+mn-cs"/>
+                  </a:defRPr>
+                </a:lvl8pPr>
+                <a:lvl9pPr marL="3657600" indent="0">
+                  <a:defRPr sz="1100">
+                    <a:solidFill>
+                      <a:schemeClr val="lt1"/>
+                    </a:solidFill>
+                    <a:latin typeface="+mn-lt"/>
+                    <a:ea typeface="+mn-ea"/>
+                    <a:cs typeface="+mn-cs"/>
+                  </a:defRPr>
+                </a:lvl9pPr>
+              </a:lstStyle>
+              <a:p>
+                <a:pPr marL="0" indent="0" algn="ctr"/>
+                <a:r>
+                  <a:rPr lang="en-GB" sz="1000" b="1">
+                    <a:solidFill>
+                      <a:sysClr val="windowText" lastClr="000000"/>
+                    </a:solidFill>
+                    <a:latin typeface="Arial" panose="020B0604020202020204" pitchFamily="34" charset="0"/>
+                    <a:ea typeface="+mn-ea"/>
+                    <a:cs typeface="Arial" panose="020B0604020202020204" pitchFamily="34" charset="0"/>
+                  </a:rPr>
+                  <a:t>Nível 1</a:t>
+                </a:r>
+              </a:p>
+              <a:p>
+                <a:pPr marL="0" indent="0" algn="ctr"/>
+                <a:r>
+                  <a:rPr lang="en-GB" sz="1200" b="1">
+                    <a:solidFill>
+                      <a:sysClr val="windowText" lastClr="000000"/>
+                    </a:solidFill>
+                    <a:latin typeface="Arial" panose="020B0604020202020204" pitchFamily="34" charset="0"/>
+                    <a:ea typeface="+mn-ea"/>
+                    <a:cs typeface="Arial" panose="020B0604020202020204" pitchFamily="34" charset="0"/>
+                  </a:rPr>
+                  <a:t>INICIAL</a:t>
+                </a:r>
+              </a:p>
+            </p:txBody>
+          </p:sp>
+          <p:sp>
+            <p:nvSpPr>
+              <p:cNvPr id="41" name="Rectangle 2"/>
+              <p:cNvSpPr/>
+              <p:nvPr/>
+            </p:nvSpPr>
+            <p:spPr>
+              <a:xfrm>
+                <a:off x="1190625" y="1647824"/>
+                <a:ext cx="1638300" cy="514350"/>
+              </a:xfrm>
+              <a:prstGeom prst="rect">
+                <a:avLst/>
+              </a:prstGeom>
+              <a:solidFill>
+                <a:srgbClr val="F5F793"/>
+              </a:solidFill>
+              <a:ln>
+                <a:noFill/>
+              </a:ln>
+              <a:effectLst>
+                <a:outerShdw blurRad="44450" dist="27940" dir="5400000" algn="ctr">
+                  <a:srgbClr val="000000">
+                    <a:alpha val="32000"/>
+                  </a:srgbClr>
+                </a:outerShdw>
+              </a:effectLst>
+              <a:scene3d>
+                <a:camera prst="orthographicFront">
+                  <a:rot lat="0" lon="0" rev="0"/>
+                </a:camera>
+                <a:lightRig rig="balanced" dir="t">
+                  <a:rot lat="0" lon="0" rev="8700000"/>
+                </a:lightRig>
+              </a:scene3d>
+              <a:sp3d>
+                <a:bevelT w="190500" h="38100"/>
+              </a:sp3d>
+            </p:spPr>
+            <p:style>
+              <a:lnRef idx="2">
+                <a:schemeClr val="accent1">
+                  <a:shade val="50000"/>
+                </a:schemeClr>
+              </a:lnRef>
+              <a:fillRef idx="1">
+                <a:schemeClr val="accent1"/>
+              </a:fillRef>
+              <a:effectRef idx="0">
+                <a:schemeClr val="accent1"/>
+              </a:effectRef>
+              <a:fontRef idx="minor">
+                <a:schemeClr val="lt1"/>
+              </a:fontRef>
+            </p:style>
+            <p:txBody>
+              <a:bodyPr rtlCol="0" anchor="ctr"/>
+              <a:lstStyle>
+                <a:lvl1pPr marL="0" indent="0">
+                  <a:defRPr sz="1100">
+                    <a:solidFill>
+                      <a:schemeClr val="lt1"/>
+                    </a:solidFill>
+                    <a:latin typeface="+mn-lt"/>
+                    <a:ea typeface="+mn-ea"/>
+                    <a:cs typeface="+mn-cs"/>
+                  </a:defRPr>
+                </a:lvl1pPr>
+                <a:lvl2pPr marL="457200" indent="0">
+                  <a:defRPr sz="1100">
+                    <a:solidFill>
+                      <a:schemeClr val="lt1"/>
+                    </a:solidFill>
+                    <a:latin typeface="+mn-lt"/>
+                    <a:ea typeface="+mn-ea"/>
+                    <a:cs typeface="+mn-cs"/>
+                  </a:defRPr>
+                </a:lvl2pPr>
+                <a:lvl3pPr marL="914400" indent="0">
+                  <a:defRPr sz="1100">
+                    <a:solidFill>
+                      <a:schemeClr val="lt1"/>
+                    </a:solidFill>
+                    <a:latin typeface="+mn-lt"/>
+                    <a:ea typeface="+mn-ea"/>
+                    <a:cs typeface="+mn-cs"/>
+                  </a:defRPr>
+                </a:lvl3pPr>
+                <a:lvl4pPr marL="1371600" indent="0">
+                  <a:defRPr sz="1100">
+                    <a:solidFill>
+                      <a:schemeClr val="lt1"/>
+                    </a:solidFill>
+                    <a:latin typeface="+mn-lt"/>
+                    <a:ea typeface="+mn-ea"/>
+                    <a:cs typeface="+mn-cs"/>
+                  </a:defRPr>
+                </a:lvl4pPr>
+                <a:lvl5pPr marL="1828800" indent="0">
+                  <a:defRPr sz="1100">
+                    <a:solidFill>
+                      <a:schemeClr val="lt1"/>
+                    </a:solidFill>
+                    <a:latin typeface="+mn-lt"/>
+                    <a:ea typeface="+mn-ea"/>
+                    <a:cs typeface="+mn-cs"/>
+                  </a:defRPr>
+                </a:lvl5pPr>
+                <a:lvl6pPr marL="2286000" indent="0">
+                  <a:defRPr sz="1100">
+                    <a:solidFill>
+                      <a:schemeClr val="lt1"/>
+                    </a:solidFill>
+                    <a:latin typeface="+mn-lt"/>
+                    <a:ea typeface="+mn-ea"/>
+                    <a:cs typeface="+mn-cs"/>
+                  </a:defRPr>
+                </a:lvl6pPr>
+                <a:lvl7pPr marL="2743200" indent="0">
+                  <a:defRPr sz="1100">
+                    <a:solidFill>
+                      <a:schemeClr val="lt1"/>
+                    </a:solidFill>
+                    <a:latin typeface="+mn-lt"/>
+                    <a:ea typeface="+mn-ea"/>
+                    <a:cs typeface="+mn-cs"/>
+                  </a:defRPr>
+                </a:lvl7pPr>
+                <a:lvl8pPr marL="3200400" indent="0">
+                  <a:defRPr sz="1100">
+                    <a:solidFill>
+                      <a:schemeClr val="lt1"/>
+                    </a:solidFill>
+                    <a:latin typeface="+mn-lt"/>
+                    <a:ea typeface="+mn-ea"/>
+                    <a:cs typeface="+mn-cs"/>
+                  </a:defRPr>
+                </a:lvl8pPr>
+                <a:lvl9pPr marL="3657600" indent="0">
+                  <a:defRPr sz="1100">
+                    <a:solidFill>
+                      <a:schemeClr val="lt1"/>
+                    </a:solidFill>
+                    <a:latin typeface="+mn-lt"/>
+                    <a:ea typeface="+mn-ea"/>
+                    <a:cs typeface="+mn-cs"/>
+                  </a:defRPr>
+                </a:lvl9pPr>
+              </a:lstStyle>
+              <a:p>
+                <a:pPr algn="ctr"/>
+                <a:r>
+                  <a:rPr lang="en-GB" sz="1000" b="1" dirty="0" err="1">
+                    <a:solidFill>
+                      <a:sysClr val="windowText" lastClr="000000"/>
+                    </a:solidFill>
+                    <a:latin typeface="Arial" panose="020B0604020202020204" pitchFamily="34" charset="0"/>
+                    <a:cs typeface="Arial" panose="020B0604020202020204" pitchFamily="34" charset="0"/>
+                  </a:rPr>
+                  <a:t>Nível</a:t>
+                </a:r>
+                <a:r>
+                  <a:rPr lang="en-GB" sz="1000" b="1" dirty="0">
+                    <a:solidFill>
+                      <a:sysClr val="windowText" lastClr="000000"/>
+                    </a:solidFill>
+                    <a:latin typeface="Arial" panose="020B0604020202020204" pitchFamily="34" charset="0"/>
+                    <a:cs typeface="Arial" panose="020B0604020202020204" pitchFamily="34" charset="0"/>
+                  </a:rPr>
+                  <a:t> 3</a:t>
+                </a:r>
+              </a:p>
+              <a:p>
+                <a:pPr algn="ctr"/>
+                <a:r>
+                  <a:rPr lang="en-GB" sz="1600" b="1" dirty="0" err="1">
+                    <a:solidFill>
+                      <a:sysClr val="windowText" lastClr="000000"/>
+                    </a:solidFill>
+                    <a:latin typeface="Arial" panose="020B0604020202020204" pitchFamily="34" charset="0"/>
+                    <a:cs typeface="Arial" panose="020B0604020202020204" pitchFamily="34" charset="0"/>
+                  </a:rPr>
+                  <a:t>Definido</a:t>
+                </a:r>
+                <a:endParaRPr lang="en-GB" sz="1600" b="1" dirty="0">
+                  <a:solidFill>
+                    <a:sysClr val="windowText" lastClr="000000"/>
+                  </a:solidFill>
+                  <a:latin typeface="Arial" panose="020B0604020202020204" pitchFamily="34" charset="0"/>
+                  <a:cs typeface="Arial" panose="020B0604020202020204" pitchFamily="34" charset="0"/>
+                </a:endParaRPr>
+              </a:p>
+            </p:txBody>
+          </p:sp>
+          <p:sp>
+            <p:nvSpPr>
+              <p:cNvPr id="42" name="Rectangle 3"/>
+              <p:cNvSpPr/>
+              <p:nvPr/>
+            </p:nvSpPr>
+            <p:spPr>
+              <a:xfrm>
+                <a:off x="600075" y="2314574"/>
+                <a:ext cx="1638300" cy="514350"/>
+              </a:xfrm>
+              <a:prstGeom prst="rect">
+                <a:avLst/>
+              </a:prstGeom>
+              <a:solidFill>
+                <a:schemeClr val="accent6">
+                  <a:lumMod val="60000"/>
+                  <a:lumOff val="40000"/>
+                </a:schemeClr>
+              </a:solidFill>
+              <a:ln>
+                <a:noFill/>
+              </a:ln>
+              <a:effectLst>
+                <a:outerShdw blurRad="44450" dist="27940" dir="5400000" algn="ctr">
+                  <a:srgbClr val="000000">
+                    <a:alpha val="32000"/>
+                  </a:srgbClr>
+                </a:outerShdw>
+              </a:effectLst>
+              <a:scene3d>
+                <a:camera prst="orthographicFront">
+                  <a:rot lat="0" lon="0" rev="0"/>
+                </a:camera>
+                <a:lightRig rig="balanced" dir="t">
+                  <a:rot lat="0" lon="0" rev="8700000"/>
+                </a:lightRig>
+              </a:scene3d>
+              <a:sp3d>
+                <a:bevelT w="190500" h="38100"/>
+              </a:sp3d>
+            </p:spPr>
+            <p:style>
+              <a:lnRef idx="2">
+                <a:schemeClr val="accent1">
+                  <a:shade val="50000"/>
+                </a:schemeClr>
+              </a:lnRef>
+              <a:fillRef idx="1">
+                <a:schemeClr val="accent1"/>
+              </a:fillRef>
+              <a:effectRef idx="0">
+                <a:schemeClr val="accent1"/>
+              </a:effectRef>
+              <a:fontRef idx="minor">
+                <a:schemeClr val="lt1"/>
+              </a:fontRef>
+            </p:style>
+            <p:txBody>
+              <a:bodyPr rtlCol="0" anchor="ctr"/>
+              <a:lstStyle>
+                <a:lvl1pPr marL="0" indent="0">
+                  <a:defRPr sz="1100">
+                    <a:solidFill>
+                      <a:schemeClr val="lt1"/>
+                    </a:solidFill>
+                    <a:latin typeface="+mn-lt"/>
+                    <a:ea typeface="+mn-ea"/>
+                    <a:cs typeface="+mn-cs"/>
+                  </a:defRPr>
+                </a:lvl1pPr>
+                <a:lvl2pPr marL="457200" indent="0">
+                  <a:defRPr sz="1100">
+                    <a:solidFill>
+                      <a:schemeClr val="lt1"/>
+                    </a:solidFill>
+                    <a:latin typeface="+mn-lt"/>
+                    <a:ea typeface="+mn-ea"/>
+                    <a:cs typeface="+mn-cs"/>
+                  </a:defRPr>
+                </a:lvl2pPr>
+                <a:lvl3pPr marL="914400" indent="0">
+                  <a:defRPr sz="1100">
+                    <a:solidFill>
+                      <a:schemeClr val="lt1"/>
+                    </a:solidFill>
+                    <a:latin typeface="+mn-lt"/>
+                    <a:ea typeface="+mn-ea"/>
+                    <a:cs typeface="+mn-cs"/>
+                  </a:defRPr>
+                </a:lvl3pPr>
+                <a:lvl4pPr marL="1371600" indent="0">
+                  <a:defRPr sz="1100">
+                    <a:solidFill>
+                      <a:schemeClr val="lt1"/>
+                    </a:solidFill>
+                    <a:latin typeface="+mn-lt"/>
+                    <a:ea typeface="+mn-ea"/>
+                    <a:cs typeface="+mn-cs"/>
+                  </a:defRPr>
+                </a:lvl4pPr>
+                <a:lvl5pPr marL="1828800" indent="0">
+                  <a:defRPr sz="1100">
+                    <a:solidFill>
+                      <a:schemeClr val="lt1"/>
+                    </a:solidFill>
+                    <a:latin typeface="+mn-lt"/>
+                    <a:ea typeface="+mn-ea"/>
+                    <a:cs typeface="+mn-cs"/>
+                  </a:defRPr>
+                </a:lvl5pPr>
+                <a:lvl6pPr marL="2286000" indent="0">
+                  <a:defRPr sz="1100">
+                    <a:solidFill>
+                      <a:schemeClr val="lt1"/>
+                    </a:solidFill>
+                    <a:latin typeface="+mn-lt"/>
+                    <a:ea typeface="+mn-ea"/>
+                    <a:cs typeface="+mn-cs"/>
+                  </a:defRPr>
+                </a:lvl6pPr>
+                <a:lvl7pPr marL="2743200" indent="0">
+                  <a:defRPr sz="1100">
+                    <a:solidFill>
+                      <a:schemeClr val="lt1"/>
+                    </a:solidFill>
+                    <a:latin typeface="+mn-lt"/>
+                    <a:ea typeface="+mn-ea"/>
+                    <a:cs typeface="+mn-cs"/>
+                  </a:defRPr>
+                </a:lvl7pPr>
+                <a:lvl8pPr marL="3200400" indent="0">
+                  <a:defRPr sz="1100">
+                    <a:solidFill>
+                      <a:schemeClr val="lt1"/>
+                    </a:solidFill>
+                    <a:latin typeface="+mn-lt"/>
+                    <a:ea typeface="+mn-ea"/>
+                    <a:cs typeface="+mn-cs"/>
+                  </a:defRPr>
+                </a:lvl8pPr>
+                <a:lvl9pPr marL="3657600" indent="0">
+                  <a:defRPr sz="1100">
+                    <a:solidFill>
+                      <a:schemeClr val="lt1"/>
+                    </a:solidFill>
+                    <a:latin typeface="+mn-lt"/>
+                    <a:ea typeface="+mn-ea"/>
+                    <a:cs typeface="+mn-cs"/>
+                  </a:defRPr>
+                </a:lvl9pPr>
+              </a:lstStyle>
+              <a:p>
+                <a:pPr marL="0" indent="0" algn="ctr"/>
+                <a:r>
+                  <a:rPr lang="en-GB" sz="1000" b="1" dirty="0" err="1">
+                    <a:solidFill>
+                      <a:sysClr val="windowText" lastClr="000000"/>
+                    </a:solidFill>
+                    <a:latin typeface="Arial" panose="020B0604020202020204" pitchFamily="34" charset="0"/>
+                    <a:ea typeface="+mn-ea"/>
+                    <a:cs typeface="Arial" panose="020B0604020202020204" pitchFamily="34" charset="0"/>
+                  </a:rPr>
+                  <a:t>Nível</a:t>
+                </a:r>
+                <a:r>
+                  <a:rPr lang="en-GB" sz="1000" b="1" dirty="0">
+                    <a:solidFill>
+                      <a:sysClr val="windowText" lastClr="000000"/>
+                    </a:solidFill>
+                    <a:latin typeface="Arial" panose="020B0604020202020204" pitchFamily="34" charset="0"/>
+                    <a:ea typeface="+mn-ea"/>
+                    <a:cs typeface="Arial" panose="020B0604020202020204" pitchFamily="34" charset="0"/>
+                  </a:rPr>
+                  <a:t> 2</a:t>
+                </a:r>
+              </a:p>
+              <a:p>
+                <a:pPr marL="0" indent="0" algn="ctr"/>
+                <a:r>
+                  <a:rPr lang="en-GB" sz="1600" b="1" dirty="0" err="1">
+                    <a:solidFill>
+                      <a:sysClr val="windowText" lastClr="000000"/>
+                    </a:solidFill>
+                    <a:latin typeface="Arial" panose="020B0604020202020204" pitchFamily="34" charset="0"/>
+                    <a:ea typeface="+mn-ea"/>
+                    <a:cs typeface="Arial" panose="020B0604020202020204" pitchFamily="34" charset="0"/>
+                  </a:rPr>
+                  <a:t>Gerenciado</a:t>
+                </a:r>
+                <a:endParaRPr lang="en-GB" sz="1600" b="1" dirty="0">
+                  <a:solidFill>
+                    <a:sysClr val="windowText" lastClr="000000"/>
+                  </a:solidFill>
+                  <a:latin typeface="Arial" panose="020B0604020202020204" pitchFamily="34" charset="0"/>
+                  <a:ea typeface="+mn-ea"/>
+                  <a:cs typeface="Arial" panose="020B0604020202020204" pitchFamily="34" charset="0"/>
+                </a:endParaRPr>
+              </a:p>
+            </p:txBody>
+          </p:sp>
+          <p:sp>
+            <p:nvSpPr>
+              <p:cNvPr id="43" name="Rectangle 4"/>
+              <p:cNvSpPr/>
+              <p:nvPr/>
+            </p:nvSpPr>
+            <p:spPr>
+              <a:xfrm>
+                <a:off x="1828800" y="790573"/>
+                <a:ext cx="1638300" cy="676275"/>
+              </a:xfrm>
+              <a:prstGeom prst="rect">
+                <a:avLst/>
+              </a:prstGeom>
+              <a:solidFill>
+                <a:srgbClr val="C0E636">
+                  <a:alpha val="88000"/>
+                </a:srgbClr>
+              </a:solidFill>
+              <a:ln>
+                <a:noFill/>
+              </a:ln>
+              <a:effectLst>
+                <a:outerShdw blurRad="44450" dist="27940" dir="5400000" algn="ctr">
+                  <a:srgbClr val="000000">
+                    <a:alpha val="32000"/>
+                  </a:srgbClr>
+                </a:outerShdw>
+              </a:effectLst>
+              <a:scene3d>
+                <a:camera prst="orthographicFront">
+                  <a:rot lat="0" lon="0" rev="0"/>
+                </a:camera>
+                <a:lightRig rig="balanced" dir="t">
+                  <a:rot lat="0" lon="0" rev="8700000"/>
+                </a:lightRig>
+              </a:scene3d>
+              <a:sp3d>
+                <a:bevelT w="190500" h="38100"/>
+              </a:sp3d>
+            </p:spPr>
+            <p:style>
+              <a:lnRef idx="2">
+                <a:schemeClr val="accent1">
+                  <a:shade val="50000"/>
+                </a:schemeClr>
+              </a:lnRef>
+              <a:fillRef idx="1">
+                <a:schemeClr val="accent1"/>
+              </a:fillRef>
+              <a:effectRef idx="0">
+                <a:schemeClr val="accent1"/>
+              </a:effectRef>
+              <a:fontRef idx="minor">
+                <a:schemeClr val="lt1"/>
+              </a:fontRef>
+            </p:style>
+            <p:txBody>
+              <a:bodyPr rtlCol="0" anchor="ctr"/>
+              <a:lstStyle>
+                <a:lvl1pPr marL="0" indent="0">
+                  <a:defRPr sz="1100">
+                    <a:solidFill>
+                      <a:schemeClr val="lt1"/>
+                    </a:solidFill>
+                    <a:latin typeface="+mn-lt"/>
+                    <a:ea typeface="+mn-ea"/>
+                    <a:cs typeface="+mn-cs"/>
+                  </a:defRPr>
+                </a:lvl1pPr>
+                <a:lvl2pPr marL="457200" indent="0">
+                  <a:defRPr sz="1100">
+                    <a:solidFill>
+                      <a:schemeClr val="lt1"/>
+                    </a:solidFill>
+                    <a:latin typeface="+mn-lt"/>
+                    <a:ea typeface="+mn-ea"/>
+                    <a:cs typeface="+mn-cs"/>
+                  </a:defRPr>
+                </a:lvl2pPr>
+                <a:lvl3pPr marL="914400" indent="0">
+                  <a:defRPr sz="1100">
+                    <a:solidFill>
+                      <a:schemeClr val="lt1"/>
+                    </a:solidFill>
+                    <a:latin typeface="+mn-lt"/>
+                    <a:ea typeface="+mn-ea"/>
+                    <a:cs typeface="+mn-cs"/>
+                  </a:defRPr>
+                </a:lvl3pPr>
+                <a:lvl4pPr marL="1371600" indent="0">
+                  <a:defRPr sz="1100">
+                    <a:solidFill>
+                      <a:schemeClr val="lt1"/>
+                    </a:solidFill>
+                    <a:latin typeface="+mn-lt"/>
+                    <a:ea typeface="+mn-ea"/>
+                    <a:cs typeface="+mn-cs"/>
+                  </a:defRPr>
+                </a:lvl4pPr>
+                <a:lvl5pPr marL="1828800" indent="0">
+                  <a:defRPr sz="1100">
+                    <a:solidFill>
+                      <a:schemeClr val="lt1"/>
+                    </a:solidFill>
+                    <a:latin typeface="+mn-lt"/>
+                    <a:ea typeface="+mn-ea"/>
+                    <a:cs typeface="+mn-cs"/>
+                  </a:defRPr>
+                </a:lvl5pPr>
+                <a:lvl6pPr marL="2286000" indent="0">
+                  <a:defRPr sz="1100">
+                    <a:solidFill>
+                      <a:schemeClr val="lt1"/>
+                    </a:solidFill>
+                    <a:latin typeface="+mn-lt"/>
+                    <a:ea typeface="+mn-ea"/>
+                    <a:cs typeface="+mn-cs"/>
+                  </a:defRPr>
+                </a:lvl6pPr>
+                <a:lvl7pPr marL="2743200" indent="0">
+                  <a:defRPr sz="1100">
+                    <a:solidFill>
+                      <a:schemeClr val="lt1"/>
+                    </a:solidFill>
+                    <a:latin typeface="+mn-lt"/>
+                    <a:ea typeface="+mn-ea"/>
+                    <a:cs typeface="+mn-cs"/>
+                  </a:defRPr>
+                </a:lvl7pPr>
+                <a:lvl8pPr marL="3200400" indent="0">
+                  <a:defRPr sz="1100">
+                    <a:solidFill>
+                      <a:schemeClr val="lt1"/>
+                    </a:solidFill>
+                    <a:latin typeface="+mn-lt"/>
+                    <a:ea typeface="+mn-ea"/>
+                    <a:cs typeface="+mn-cs"/>
+                  </a:defRPr>
+                </a:lvl8pPr>
+                <a:lvl9pPr marL="3657600" indent="0">
+                  <a:defRPr sz="1100">
+                    <a:solidFill>
+                      <a:schemeClr val="lt1"/>
+                    </a:solidFill>
+                    <a:latin typeface="+mn-lt"/>
+                    <a:ea typeface="+mn-ea"/>
+                    <a:cs typeface="+mn-cs"/>
+                  </a:defRPr>
+                </a:lvl9pPr>
+              </a:lstStyle>
+              <a:p>
+                <a:pPr marL="0" indent="0" algn="ctr"/>
+                <a:r>
+                  <a:rPr lang="en-GB" sz="1000" b="1" dirty="0" err="1">
+                    <a:solidFill>
+                      <a:sysClr val="windowText" lastClr="000000"/>
+                    </a:solidFill>
+                    <a:latin typeface="Arial" panose="020B0604020202020204" pitchFamily="34" charset="0"/>
+                    <a:ea typeface="+mn-ea"/>
+                    <a:cs typeface="Arial" panose="020B0604020202020204" pitchFamily="34" charset="0"/>
+                  </a:rPr>
+                  <a:t>Nível</a:t>
+                </a:r>
+                <a:r>
+                  <a:rPr lang="en-GB" sz="1000" b="1" dirty="0">
+                    <a:solidFill>
+                      <a:sysClr val="windowText" lastClr="000000"/>
+                    </a:solidFill>
+                    <a:latin typeface="Arial" panose="020B0604020202020204" pitchFamily="34" charset="0"/>
+                    <a:ea typeface="+mn-ea"/>
+                    <a:cs typeface="Arial" panose="020B0604020202020204" pitchFamily="34" charset="0"/>
+                  </a:rPr>
+                  <a:t> 4</a:t>
+                </a:r>
+              </a:p>
+              <a:p>
+                <a:pPr marL="0" indent="0" algn="ctr"/>
+                <a:r>
+                  <a:rPr lang="en-GB" sz="1200" b="1" dirty="0" err="1">
+                    <a:solidFill>
+                      <a:sysClr val="windowText" lastClr="000000"/>
+                    </a:solidFill>
+                    <a:latin typeface="Arial" panose="020B0604020202020204" pitchFamily="34" charset="0"/>
+                    <a:ea typeface="+mn-ea"/>
+                    <a:cs typeface="Arial" panose="020B0604020202020204" pitchFamily="34" charset="0"/>
+                  </a:rPr>
+                  <a:t>Quantitativamente</a:t>
+                </a:r>
+                <a:r>
+                  <a:rPr lang="en-GB" sz="1200" b="1" dirty="0">
+                    <a:solidFill>
+                      <a:sysClr val="windowText" lastClr="000000"/>
+                    </a:solidFill>
+                    <a:latin typeface="Arial" panose="020B0604020202020204" pitchFamily="34" charset="0"/>
+                    <a:ea typeface="+mn-ea"/>
+                    <a:cs typeface="Arial" panose="020B0604020202020204" pitchFamily="34" charset="0"/>
+                  </a:rPr>
+                  <a:t> </a:t>
+                </a:r>
+                <a:r>
+                  <a:rPr lang="en-GB" sz="1200" b="1" dirty="0" err="1">
+                    <a:solidFill>
+                      <a:sysClr val="windowText" lastClr="000000"/>
+                    </a:solidFill>
+                    <a:latin typeface="Arial" panose="020B0604020202020204" pitchFamily="34" charset="0"/>
+                    <a:ea typeface="+mn-ea"/>
+                    <a:cs typeface="Arial" panose="020B0604020202020204" pitchFamily="34" charset="0"/>
+                  </a:rPr>
+                  <a:t>gerenciado</a:t>
+                </a:r>
+                <a:endParaRPr lang="en-GB" sz="1200" b="1" dirty="0">
+                  <a:solidFill>
+                    <a:sysClr val="windowText" lastClr="000000"/>
+                  </a:solidFill>
+                  <a:latin typeface="Arial" panose="020B0604020202020204" pitchFamily="34" charset="0"/>
+                  <a:ea typeface="+mn-ea"/>
+                  <a:cs typeface="Arial" panose="020B0604020202020204" pitchFamily="34" charset="0"/>
+                </a:endParaRPr>
+              </a:p>
+            </p:txBody>
+          </p:sp>
+          <p:sp>
+            <p:nvSpPr>
+              <p:cNvPr id="44" name="Rectangle 5"/>
+              <p:cNvSpPr/>
+              <p:nvPr/>
+            </p:nvSpPr>
+            <p:spPr>
+              <a:xfrm>
+                <a:off x="2400300" y="47624"/>
+                <a:ext cx="1638300" cy="514350"/>
+              </a:xfrm>
+              <a:prstGeom prst="rect">
+                <a:avLst/>
+              </a:prstGeom>
+              <a:solidFill>
+                <a:srgbClr val="92D050"/>
+              </a:solidFill>
+              <a:ln>
+                <a:noFill/>
+              </a:ln>
+              <a:effectLst>
+                <a:outerShdw blurRad="44450" dist="27940" dir="5400000" algn="ctr">
+                  <a:srgbClr val="000000">
+                    <a:alpha val="32000"/>
+                  </a:srgbClr>
+                </a:outerShdw>
+              </a:effectLst>
+              <a:scene3d>
+                <a:camera prst="orthographicFront">
+                  <a:rot lat="0" lon="0" rev="0"/>
+                </a:camera>
+                <a:lightRig rig="balanced" dir="t">
+                  <a:rot lat="0" lon="0" rev="8700000"/>
+                </a:lightRig>
+              </a:scene3d>
+              <a:sp3d>
+                <a:bevelT w="190500" h="38100"/>
+              </a:sp3d>
+            </p:spPr>
+            <p:style>
+              <a:lnRef idx="2">
+                <a:schemeClr val="accent1">
+                  <a:shade val="50000"/>
+                </a:schemeClr>
+              </a:lnRef>
+              <a:fillRef idx="1">
+                <a:schemeClr val="accent1"/>
+              </a:fillRef>
+              <a:effectRef idx="0">
+                <a:schemeClr val="accent1"/>
+              </a:effectRef>
+              <a:fontRef idx="minor">
+                <a:schemeClr val="lt1"/>
+              </a:fontRef>
+            </p:style>
+            <p:txBody>
+              <a:bodyPr rtlCol="0" anchor="ctr"/>
+              <a:lstStyle>
+                <a:lvl1pPr marL="0" indent="0">
+                  <a:defRPr sz="1100">
+                    <a:solidFill>
+                      <a:schemeClr val="lt1"/>
+                    </a:solidFill>
+                    <a:latin typeface="+mn-lt"/>
+                    <a:ea typeface="+mn-ea"/>
+                    <a:cs typeface="+mn-cs"/>
+                  </a:defRPr>
+                </a:lvl1pPr>
+                <a:lvl2pPr marL="457200" indent="0">
+                  <a:defRPr sz="1100">
+                    <a:solidFill>
+                      <a:schemeClr val="lt1"/>
+                    </a:solidFill>
+                    <a:latin typeface="+mn-lt"/>
+                    <a:ea typeface="+mn-ea"/>
+                    <a:cs typeface="+mn-cs"/>
+                  </a:defRPr>
+                </a:lvl2pPr>
+                <a:lvl3pPr marL="914400" indent="0">
+                  <a:defRPr sz="1100">
+                    <a:solidFill>
+                      <a:schemeClr val="lt1"/>
+                    </a:solidFill>
+                    <a:latin typeface="+mn-lt"/>
+                    <a:ea typeface="+mn-ea"/>
+                    <a:cs typeface="+mn-cs"/>
+                  </a:defRPr>
+                </a:lvl3pPr>
+                <a:lvl4pPr marL="1371600" indent="0">
+                  <a:defRPr sz="1100">
+                    <a:solidFill>
+                      <a:schemeClr val="lt1"/>
+                    </a:solidFill>
+                    <a:latin typeface="+mn-lt"/>
+                    <a:ea typeface="+mn-ea"/>
+                    <a:cs typeface="+mn-cs"/>
+                  </a:defRPr>
+                </a:lvl4pPr>
+                <a:lvl5pPr marL="1828800" indent="0">
+                  <a:defRPr sz="1100">
+                    <a:solidFill>
+                      <a:schemeClr val="lt1"/>
+                    </a:solidFill>
+                    <a:latin typeface="+mn-lt"/>
+                    <a:ea typeface="+mn-ea"/>
+                    <a:cs typeface="+mn-cs"/>
+                  </a:defRPr>
+                </a:lvl5pPr>
+                <a:lvl6pPr marL="2286000" indent="0">
+                  <a:defRPr sz="1100">
+                    <a:solidFill>
+                      <a:schemeClr val="lt1"/>
+                    </a:solidFill>
+                    <a:latin typeface="+mn-lt"/>
+                    <a:ea typeface="+mn-ea"/>
+                    <a:cs typeface="+mn-cs"/>
+                  </a:defRPr>
+                </a:lvl6pPr>
+                <a:lvl7pPr marL="2743200" indent="0">
+                  <a:defRPr sz="1100">
+                    <a:solidFill>
+                      <a:schemeClr val="lt1"/>
+                    </a:solidFill>
+                    <a:latin typeface="+mn-lt"/>
+                    <a:ea typeface="+mn-ea"/>
+                    <a:cs typeface="+mn-cs"/>
+                  </a:defRPr>
+                </a:lvl7pPr>
+                <a:lvl8pPr marL="3200400" indent="0">
+                  <a:defRPr sz="1100">
+                    <a:solidFill>
+                      <a:schemeClr val="lt1"/>
+                    </a:solidFill>
+                    <a:latin typeface="+mn-lt"/>
+                    <a:ea typeface="+mn-ea"/>
+                    <a:cs typeface="+mn-cs"/>
+                  </a:defRPr>
+                </a:lvl8pPr>
+                <a:lvl9pPr marL="3657600" indent="0">
+                  <a:defRPr sz="1100">
+                    <a:solidFill>
+                      <a:schemeClr val="lt1"/>
+                    </a:solidFill>
+                    <a:latin typeface="+mn-lt"/>
+                    <a:ea typeface="+mn-ea"/>
+                    <a:cs typeface="+mn-cs"/>
+                  </a:defRPr>
+                </a:lvl9pPr>
+              </a:lstStyle>
+              <a:p>
+                <a:pPr marL="0" indent="0" algn="ctr"/>
+                <a:r>
+                  <a:rPr lang="en-GB" sz="1000" b="1" dirty="0" err="1">
+                    <a:solidFill>
+                      <a:sysClr val="windowText" lastClr="000000"/>
+                    </a:solidFill>
+                    <a:latin typeface="Arial" panose="020B0604020202020204" pitchFamily="34" charset="0"/>
+                    <a:ea typeface="+mn-ea"/>
+                    <a:cs typeface="Arial" panose="020B0604020202020204" pitchFamily="34" charset="0"/>
+                  </a:rPr>
+                  <a:t>Nível</a:t>
+                </a:r>
+                <a:r>
+                  <a:rPr lang="en-GB" sz="1000" b="1" dirty="0">
+                    <a:solidFill>
+                      <a:sysClr val="windowText" lastClr="000000"/>
+                    </a:solidFill>
+                    <a:latin typeface="Arial" panose="020B0604020202020204" pitchFamily="34" charset="0"/>
+                    <a:ea typeface="+mn-ea"/>
+                    <a:cs typeface="Arial" panose="020B0604020202020204" pitchFamily="34" charset="0"/>
+                  </a:rPr>
+                  <a:t> 5 </a:t>
+                </a:r>
+              </a:p>
+              <a:p>
+                <a:pPr marL="0" indent="0" algn="ctr"/>
+                <a:r>
+                  <a:rPr lang="en-GB" sz="1600" b="1" dirty="0" err="1">
+                    <a:solidFill>
+                      <a:sysClr val="windowText" lastClr="000000"/>
+                    </a:solidFill>
+                    <a:latin typeface="Arial" panose="020B0604020202020204" pitchFamily="34" charset="0"/>
+                    <a:ea typeface="+mn-ea"/>
+                    <a:cs typeface="Arial" panose="020B0604020202020204" pitchFamily="34" charset="0"/>
+                  </a:rPr>
+                  <a:t>Otimizado</a:t>
+                </a:r>
+                <a:endParaRPr lang="en-GB" sz="1600" b="1" dirty="0">
+                  <a:solidFill>
+                    <a:sysClr val="windowText" lastClr="000000"/>
+                  </a:solidFill>
+                  <a:latin typeface="Arial" panose="020B0604020202020204" pitchFamily="34" charset="0"/>
+                  <a:ea typeface="+mn-ea"/>
+                  <a:cs typeface="Arial" panose="020B0604020202020204" pitchFamily="34" charset="0"/>
+                </a:endParaRPr>
+              </a:p>
+            </p:txBody>
+          </p:sp>
+          <p:sp>
+            <p:nvSpPr>
+              <p:cNvPr id="45" name="Bent Arrow 9"/>
+              <p:cNvSpPr/>
+              <p:nvPr/>
+            </p:nvSpPr>
+            <p:spPr>
+              <a:xfrm>
+                <a:off x="161925" y="2486024"/>
+                <a:ext cx="409575" cy="561975"/>
+              </a:xfrm>
+              <a:prstGeom prst="bentArrow">
+                <a:avLst/>
+              </a:prstGeom>
+              <a:solidFill>
+                <a:schemeClr val="accent4">
+                  <a:lumMod val="90000"/>
+                  <a:alpha val="80000"/>
+                </a:schemeClr>
+              </a:solidFill>
+              <a:ln>
+                <a:noFill/>
+              </a:ln>
+              <a:effectLst>
+                <a:innerShdw blurRad="63500" dist="50800" dir="5400000">
+                  <a:prstClr val="black">
+                    <a:alpha val="50000"/>
+                  </a:prstClr>
+                </a:innerShdw>
+                <a:reflection blurRad="6350" stA="50000" endA="300" endPos="38500" dist="50800" dir="5400000" sy="-100000" algn="bl" rotWithShape="0"/>
+              </a:effectLst>
+            </p:spPr>
+            <p:style>
+              <a:lnRef idx="2">
+                <a:schemeClr val="dk1">
+                  <a:shade val="50000"/>
+                </a:schemeClr>
+              </a:lnRef>
+              <a:fillRef idx="1">
+                <a:schemeClr val="dk1"/>
+              </a:fillRef>
+              <a:effectRef idx="0">
+                <a:schemeClr val="dk1"/>
+              </a:effectRef>
+              <a:fontRef idx="minor">
+                <a:schemeClr val="lt1"/>
+              </a:fontRef>
+            </p:style>
+            <p:txBody>
+              <a:bodyPr rtlCol="0" anchor="t"/>
+              <a:lstStyle>
+                <a:lvl1pPr marL="0" indent="0">
+                  <a:defRPr sz="1100">
+                    <a:solidFill>
+                      <a:schemeClr val="lt1"/>
+                    </a:solidFill>
+                    <a:latin typeface="+mn-lt"/>
+                    <a:ea typeface="+mn-ea"/>
+                    <a:cs typeface="+mn-cs"/>
+                  </a:defRPr>
+                </a:lvl1pPr>
+                <a:lvl2pPr marL="457200" indent="0">
+                  <a:defRPr sz="1100">
+                    <a:solidFill>
+                      <a:schemeClr val="lt1"/>
+                    </a:solidFill>
+                    <a:latin typeface="+mn-lt"/>
+                    <a:ea typeface="+mn-ea"/>
+                    <a:cs typeface="+mn-cs"/>
+                  </a:defRPr>
+                </a:lvl2pPr>
+                <a:lvl3pPr marL="914400" indent="0">
+                  <a:defRPr sz="1100">
+                    <a:solidFill>
+                      <a:schemeClr val="lt1"/>
+                    </a:solidFill>
+                    <a:latin typeface="+mn-lt"/>
+                    <a:ea typeface="+mn-ea"/>
+                    <a:cs typeface="+mn-cs"/>
+                  </a:defRPr>
+                </a:lvl3pPr>
+                <a:lvl4pPr marL="1371600" indent="0">
+                  <a:defRPr sz="1100">
+                    <a:solidFill>
+                      <a:schemeClr val="lt1"/>
+                    </a:solidFill>
+                    <a:latin typeface="+mn-lt"/>
+                    <a:ea typeface="+mn-ea"/>
+                    <a:cs typeface="+mn-cs"/>
+                  </a:defRPr>
+                </a:lvl4pPr>
+                <a:lvl5pPr marL="1828800" indent="0">
+                  <a:defRPr sz="1100">
+                    <a:solidFill>
+                      <a:schemeClr val="lt1"/>
+                    </a:solidFill>
+                    <a:latin typeface="+mn-lt"/>
+                    <a:ea typeface="+mn-ea"/>
+                    <a:cs typeface="+mn-cs"/>
+                  </a:defRPr>
+                </a:lvl5pPr>
+                <a:lvl6pPr marL="2286000" indent="0">
+                  <a:defRPr sz="1100">
+                    <a:solidFill>
+                      <a:schemeClr val="lt1"/>
+                    </a:solidFill>
+                    <a:latin typeface="+mn-lt"/>
+                    <a:ea typeface="+mn-ea"/>
+                    <a:cs typeface="+mn-cs"/>
+                  </a:defRPr>
+                </a:lvl6pPr>
+                <a:lvl7pPr marL="2743200" indent="0">
+                  <a:defRPr sz="1100">
+                    <a:solidFill>
+                      <a:schemeClr val="lt1"/>
+                    </a:solidFill>
+                    <a:latin typeface="+mn-lt"/>
+                    <a:ea typeface="+mn-ea"/>
+                    <a:cs typeface="+mn-cs"/>
+                  </a:defRPr>
+                </a:lvl7pPr>
+                <a:lvl8pPr marL="3200400" indent="0">
+                  <a:defRPr sz="1100">
+                    <a:solidFill>
+                      <a:schemeClr val="lt1"/>
+                    </a:solidFill>
+                    <a:latin typeface="+mn-lt"/>
+                    <a:ea typeface="+mn-ea"/>
+                    <a:cs typeface="+mn-cs"/>
+                  </a:defRPr>
+                </a:lvl8pPr>
+                <a:lvl9pPr marL="3657600" indent="0">
+                  <a:defRPr sz="1100">
+                    <a:solidFill>
+                      <a:schemeClr val="lt1"/>
+                    </a:solidFill>
+                    <a:latin typeface="+mn-lt"/>
+                    <a:ea typeface="+mn-ea"/>
+                    <a:cs typeface="+mn-cs"/>
+                  </a:defRPr>
+                </a:lvl9pPr>
+              </a:lstStyle>
+              <a:p>
+                <a:endParaRPr lang="en-GB">
+                  <a:solidFill>
+                    <a:schemeClr val="tx1"/>
+                  </a:solidFill>
+                </a:endParaRPr>
+              </a:p>
+            </p:txBody>
+          </p:sp>
+          <p:sp>
+            <p:nvSpPr>
+              <p:cNvPr id="46" name="Bent Arrow 11"/>
+              <p:cNvSpPr/>
+              <p:nvPr/>
+            </p:nvSpPr>
+            <p:spPr>
+              <a:xfrm>
+                <a:off x="752475" y="1809750"/>
+                <a:ext cx="409575" cy="485774"/>
+              </a:xfrm>
+              <a:prstGeom prst="bentArrow">
+                <a:avLst/>
+              </a:prstGeom>
+              <a:solidFill>
+                <a:schemeClr val="accent4">
+                  <a:lumMod val="90000"/>
+                  <a:alpha val="80000"/>
+                </a:schemeClr>
+              </a:solidFill>
+              <a:ln>
+                <a:noFill/>
+              </a:ln>
+              <a:effectLst>
+                <a:innerShdw blurRad="63500" dist="50800" dir="5400000">
+                  <a:prstClr val="black">
+                    <a:alpha val="50000"/>
+                  </a:prstClr>
+                </a:innerShdw>
+                <a:reflection blurRad="6350" stA="50000" endA="300" endPos="38500" dist="50800" dir="5400000" sy="-100000" algn="bl" rotWithShape="0"/>
+              </a:effectLst>
+            </p:spPr>
+            <p:style>
+              <a:lnRef idx="2">
+                <a:schemeClr val="dk1">
+                  <a:shade val="50000"/>
+                </a:schemeClr>
+              </a:lnRef>
+              <a:fillRef idx="1">
+                <a:schemeClr val="dk1"/>
+              </a:fillRef>
+              <a:effectRef idx="0">
+                <a:schemeClr val="dk1"/>
+              </a:effectRef>
+              <a:fontRef idx="minor">
+                <a:schemeClr val="lt1"/>
+              </a:fontRef>
+            </p:style>
+            <p:txBody>
+              <a:bodyPr rtlCol="0" anchor="t"/>
+              <a:lstStyle>
+                <a:lvl1pPr marL="0" indent="0">
+                  <a:defRPr sz="1100">
+                    <a:solidFill>
+                      <a:schemeClr val="lt1"/>
+                    </a:solidFill>
+                    <a:latin typeface="+mn-lt"/>
+                    <a:ea typeface="+mn-ea"/>
+                    <a:cs typeface="+mn-cs"/>
+                  </a:defRPr>
+                </a:lvl1pPr>
+                <a:lvl2pPr marL="457200" indent="0">
+                  <a:defRPr sz="1100">
+                    <a:solidFill>
+                      <a:schemeClr val="lt1"/>
+                    </a:solidFill>
+                    <a:latin typeface="+mn-lt"/>
+                    <a:ea typeface="+mn-ea"/>
+                    <a:cs typeface="+mn-cs"/>
+                  </a:defRPr>
+                </a:lvl2pPr>
+                <a:lvl3pPr marL="914400" indent="0">
+                  <a:defRPr sz="1100">
+                    <a:solidFill>
+                      <a:schemeClr val="lt1"/>
+                    </a:solidFill>
+                    <a:latin typeface="+mn-lt"/>
+                    <a:ea typeface="+mn-ea"/>
+                    <a:cs typeface="+mn-cs"/>
+                  </a:defRPr>
+                </a:lvl3pPr>
+                <a:lvl4pPr marL="1371600" indent="0">
+                  <a:defRPr sz="1100">
+                    <a:solidFill>
+                      <a:schemeClr val="lt1"/>
+                    </a:solidFill>
+                    <a:latin typeface="+mn-lt"/>
+                    <a:ea typeface="+mn-ea"/>
+                    <a:cs typeface="+mn-cs"/>
+                  </a:defRPr>
+                </a:lvl4pPr>
+                <a:lvl5pPr marL="1828800" indent="0">
+                  <a:defRPr sz="1100">
+                    <a:solidFill>
+                      <a:schemeClr val="lt1"/>
+                    </a:solidFill>
+                    <a:latin typeface="+mn-lt"/>
+                    <a:ea typeface="+mn-ea"/>
+                    <a:cs typeface="+mn-cs"/>
+                  </a:defRPr>
+                </a:lvl5pPr>
+                <a:lvl6pPr marL="2286000" indent="0">
+                  <a:defRPr sz="1100">
+                    <a:solidFill>
+                      <a:schemeClr val="lt1"/>
+                    </a:solidFill>
+                    <a:latin typeface="+mn-lt"/>
+                    <a:ea typeface="+mn-ea"/>
+                    <a:cs typeface="+mn-cs"/>
+                  </a:defRPr>
+                </a:lvl6pPr>
+                <a:lvl7pPr marL="2743200" indent="0">
+                  <a:defRPr sz="1100">
+                    <a:solidFill>
+                      <a:schemeClr val="lt1"/>
+                    </a:solidFill>
+                    <a:latin typeface="+mn-lt"/>
+                    <a:ea typeface="+mn-ea"/>
+                    <a:cs typeface="+mn-cs"/>
+                  </a:defRPr>
+                </a:lvl7pPr>
+                <a:lvl8pPr marL="3200400" indent="0">
+                  <a:defRPr sz="1100">
+                    <a:solidFill>
+                      <a:schemeClr val="lt1"/>
+                    </a:solidFill>
+                    <a:latin typeface="+mn-lt"/>
+                    <a:ea typeface="+mn-ea"/>
+                    <a:cs typeface="+mn-cs"/>
+                  </a:defRPr>
+                </a:lvl8pPr>
+                <a:lvl9pPr marL="3657600" indent="0">
+                  <a:defRPr sz="1100">
+                    <a:solidFill>
+                      <a:schemeClr val="lt1"/>
+                    </a:solidFill>
+                    <a:latin typeface="+mn-lt"/>
+                    <a:ea typeface="+mn-ea"/>
+                    <a:cs typeface="+mn-cs"/>
+                  </a:defRPr>
+                </a:lvl9pPr>
+              </a:lstStyle>
+              <a:p>
+                <a:endParaRPr lang="en-GB">
+                  <a:solidFill>
+                    <a:schemeClr val="tx1"/>
+                  </a:solidFill>
+                </a:endParaRPr>
+              </a:p>
+            </p:txBody>
+          </p:sp>
+          <p:sp>
+            <p:nvSpPr>
+              <p:cNvPr id="47" name="Bent Arrow 12"/>
+              <p:cNvSpPr/>
+              <p:nvPr/>
+            </p:nvSpPr>
+            <p:spPr>
+              <a:xfrm>
+                <a:off x="1419225" y="1114425"/>
+                <a:ext cx="409575" cy="485774"/>
+              </a:xfrm>
+              <a:prstGeom prst="bentArrow">
+                <a:avLst/>
+              </a:prstGeom>
+              <a:solidFill>
+                <a:schemeClr val="accent4">
+                  <a:lumMod val="90000"/>
+                  <a:alpha val="80000"/>
+                </a:schemeClr>
+              </a:solidFill>
+              <a:ln>
+                <a:noFill/>
+              </a:ln>
+              <a:effectLst>
+                <a:innerShdw blurRad="63500" dist="50800" dir="5400000">
+                  <a:prstClr val="black">
+                    <a:alpha val="50000"/>
+                  </a:prstClr>
+                </a:innerShdw>
+                <a:reflection blurRad="6350" stA="50000" endA="300" endPos="38500" dist="50800" dir="5400000" sy="-100000" algn="bl" rotWithShape="0"/>
+              </a:effectLst>
+            </p:spPr>
+            <p:style>
+              <a:lnRef idx="2">
+                <a:schemeClr val="dk1">
+                  <a:shade val="50000"/>
+                </a:schemeClr>
+              </a:lnRef>
+              <a:fillRef idx="1">
+                <a:schemeClr val="dk1"/>
+              </a:fillRef>
+              <a:effectRef idx="0">
+                <a:schemeClr val="dk1"/>
+              </a:effectRef>
+              <a:fontRef idx="minor">
+                <a:schemeClr val="lt1"/>
+              </a:fontRef>
+            </p:style>
+            <p:txBody>
+              <a:bodyPr rtlCol="0" anchor="t"/>
+              <a:lstStyle>
+                <a:lvl1pPr marL="0" indent="0">
+                  <a:defRPr sz="1100">
+                    <a:solidFill>
+                      <a:schemeClr val="lt1"/>
+                    </a:solidFill>
+                    <a:latin typeface="+mn-lt"/>
+                    <a:ea typeface="+mn-ea"/>
+                    <a:cs typeface="+mn-cs"/>
+                  </a:defRPr>
+                </a:lvl1pPr>
+                <a:lvl2pPr marL="457200" indent="0">
+                  <a:defRPr sz="1100">
+                    <a:solidFill>
+                      <a:schemeClr val="lt1"/>
+                    </a:solidFill>
+                    <a:latin typeface="+mn-lt"/>
+                    <a:ea typeface="+mn-ea"/>
+                    <a:cs typeface="+mn-cs"/>
+                  </a:defRPr>
+                </a:lvl2pPr>
+                <a:lvl3pPr marL="914400" indent="0">
+                  <a:defRPr sz="1100">
+                    <a:solidFill>
+                      <a:schemeClr val="lt1"/>
+                    </a:solidFill>
+                    <a:latin typeface="+mn-lt"/>
+                    <a:ea typeface="+mn-ea"/>
+                    <a:cs typeface="+mn-cs"/>
+                  </a:defRPr>
+                </a:lvl3pPr>
+                <a:lvl4pPr marL="1371600" indent="0">
+                  <a:defRPr sz="1100">
+                    <a:solidFill>
+                      <a:schemeClr val="lt1"/>
+                    </a:solidFill>
+                    <a:latin typeface="+mn-lt"/>
+                    <a:ea typeface="+mn-ea"/>
+                    <a:cs typeface="+mn-cs"/>
+                  </a:defRPr>
+                </a:lvl4pPr>
+                <a:lvl5pPr marL="1828800" indent="0">
+                  <a:defRPr sz="1100">
+                    <a:solidFill>
+                      <a:schemeClr val="lt1"/>
+                    </a:solidFill>
+                    <a:latin typeface="+mn-lt"/>
+                    <a:ea typeface="+mn-ea"/>
+                    <a:cs typeface="+mn-cs"/>
+                  </a:defRPr>
+                </a:lvl5pPr>
+                <a:lvl6pPr marL="2286000" indent="0">
+                  <a:defRPr sz="1100">
+                    <a:solidFill>
+                      <a:schemeClr val="lt1"/>
+                    </a:solidFill>
+                    <a:latin typeface="+mn-lt"/>
+                    <a:ea typeface="+mn-ea"/>
+                    <a:cs typeface="+mn-cs"/>
+                  </a:defRPr>
+                </a:lvl6pPr>
+                <a:lvl7pPr marL="2743200" indent="0">
+                  <a:defRPr sz="1100">
+                    <a:solidFill>
+                      <a:schemeClr val="lt1"/>
+                    </a:solidFill>
+                    <a:latin typeface="+mn-lt"/>
+                    <a:ea typeface="+mn-ea"/>
+                    <a:cs typeface="+mn-cs"/>
+                  </a:defRPr>
+                </a:lvl7pPr>
+                <a:lvl8pPr marL="3200400" indent="0">
+                  <a:defRPr sz="1100">
+                    <a:solidFill>
+                      <a:schemeClr val="lt1"/>
+                    </a:solidFill>
+                    <a:latin typeface="+mn-lt"/>
+                    <a:ea typeface="+mn-ea"/>
+                    <a:cs typeface="+mn-cs"/>
+                  </a:defRPr>
+                </a:lvl8pPr>
+                <a:lvl9pPr marL="3657600" indent="0">
+                  <a:defRPr sz="1100">
+                    <a:solidFill>
+                      <a:schemeClr val="lt1"/>
+                    </a:solidFill>
+                    <a:latin typeface="+mn-lt"/>
+                    <a:ea typeface="+mn-ea"/>
+                    <a:cs typeface="+mn-cs"/>
+                  </a:defRPr>
+                </a:lvl9pPr>
+              </a:lstStyle>
+              <a:p>
+                <a:endParaRPr lang="en-GB">
+                  <a:solidFill>
+                    <a:schemeClr val="tx1"/>
+                  </a:solidFill>
+                </a:endParaRPr>
+              </a:p>
+            </p:txBody>
+          </p:sp>
+          <p:sp>
+            <p:nvSpPr>
+              <p:cNvPr id="48" name="Bent Arrow 13"/>
+              <p:cNvSpPr/>
+              <p:nvPr/>
+            </p:nvSpPr>
+            <p:spPr>
+              <a:xfrm>
+                <a:off x="2000250" y="295275"/>
+                <a:ext cx="409575" cy="485774"/>
+              </a:xfrm>
+              <a:prstGeom prst="bentArrow">
+                <a:avLst/>
+              </a:prstGeom>
+              <a:solidFill>
+                <a:schemeClr val="accent4">
+                  <a:lumMod val="90000"/>
+                  <a:alpha val="80000"/>
+                </a:schemeClr>
+              </a:solidFill>
+              <a:ln>
+                <a:noFill/>
+              </a:ln>
+              <a:effectLst>
+                <a:innerShdw blurRad="63500" dist="50800" dir="5400000">
+                  <a:prstClr val="black">
+                    <a:alpha val="50000"/>
+                  </a:prstClr>
+                </a:innerShdw>
+                <a:reflection blurRad="6350" stA="50000" endA="300" endPos="38500" dist="50800" dir="5400000" sy="-100000" algn="bl" rotWithShape="0"/>
+              </a:effectLst>
+            </p:spPr>
+            <p:style>
+              <a:lnRef idx="2">
+                <a:schemeClr val="dk1">
+                  <a:shade val="50000"/>
+                </a:schemeClr>
+              </a:lnRef>
+              <a:fillRef idx="1">
+                <a:schemeClr val="dk1"/>
+              </a:fillRef>
+              <a:effectRef idx="0">
+                <a:schemeClr val="dk1"/>
+              </a:effectRef>
+              <a:fontRef idx="minor">
+                <a:schemeClr val="lt1"/>
+              </a:fontRef>
+            </p:style>
+            <p:txBody>
+              <a:bodyPr rtlCol="0" anchor="t"/>
+              <a:lstStyle>
+                <a:lvl1pPr marL="0" indent="0">
+                  <a:defRPr sz="1100">
+                    <a:solidFill>
+                      <a:schemeClr val="lt1"/>
+                    </a:solidFill>
+                    <a:latin typeface="+mn-lt"/>
+                    <a:ea typeface="+mn-ea"/>
+                    <a:cs typeface="+mn-cs"/>
+                  </a:defRPr>
+                </a:lvl1pPr>
+                <a:lvl2pPr marL="457200" indent="0">
+                  <a:defRPr sz="1100">
+                    <a:solidFill>
+                      <a:schemeClr val="lt1"/>
+                    </a:solidFill>
+                    <a:latin typeface="+mn-lt"/>
+                    <a:ea typeface="+mn-ea"/>
+                    <a:cs typeface="+mn-cs"/>
+                  </a:defRPr>
+                </a:lvl2pPr>
+                <a:lvl3pPr marL="914400" indent="0">
+                  <a:defRPr sz="1100">
+                    <a:solidFill>
+                      <a:schemeClr val="lt1"/>
+                    </a:solidFill>
+                    <a:latin typeface="+mn-lt"/>
+                    <a:ea typeface="+mn-ea"/>
+                    <a:cs typeface="+mn-cs"/>
+                  </a:defRPr>
+                </a:lvl3pPr>
+                <a:lvl4pPr marL="1371600" indent="0">
+                  <a:defRPr sz="1100">
+                    <a:solidFill>
+                      <a:schemeClr val="lt1"/>
+                    </a:solidFill>
+                    <a:latin typeface="+mn-lt"/>
+                    <a:ea typeface="+mn-ea"/>
+                    <a:cs typeface="+mn-cs"/>
+                  </a:defRPr>
+                </a:lvl4pPr>
+                <a:lvl5pPr marL="1828800" indent="0">
+                  <a:defRPr sz="1100">
+                    <a:solidFill>
+                      <a:schemeClr val="lt1"/>
+                    </a:solidFill>
+                    <a:latin typeface="+mn-lt"/>
+                    <a:ea typeface="+mn-ea"/>
+                    <a:cs typeface="+mn-cs"/>
+                  </a:defRPr>
+                </a:lvl5pPr>
+                <a:lvl6pPr marL="2286000" indent="0">
+                  <a:defRPr sz="1100">
+                    <a:solidFill>
+                      <a:schemeClr val="lt1"/>
+                    </a:solidFill>
+                    <a:latin typeface="+mn-lt"/>
+                    <a:ea typeface="+mn-ea"/>
+                    <a:cs typeface="+mn-cs"/>
+                  </a:defRPr>
+                </a:lvl6pPr>
+                <a:lvl7pPr marL="2743200" indent="0">
+                  <a:defRPr sz="1100">
+                    <a:solidFill>
+                      <a:schemeClr val="lt1"/>
+                    </a:solidFill>
+                    <a:latin typeface="+mn-lt"/>
+                    <a:ea typeface="+mn-ea"/>
+                    <a:cs typeface="+mn-cs"/>
+                  </a:defRPr>
+                </a:lvl7pPr>
+                <a:lvl8pPr marL="3200400" indent="0">
+                  <a:defRPr sz="1100">
+                    <a:solidFill>
+                      <a:schemeClr val="lt1"/>
+                    </a:solidFill>
+                    <a:latin typeface="+mn-lt"/>
+                    <a:ea typeface="+mn-ea"/>
+                    <a:cs typeface="+mn-cs"/>
+                  </a:defRPr>
+                </a:lvl8pPr>
+                <a:lvl9pPr marL="3657600" indent="0">
+                  <a:defRPr sz="1100">
+                    <a:solidFill>
+                      <a:schemeClr val="lt1"/>
+                    </a:solidFill>
+                    <a:latin typeface="+mn-lt"/>
+                    <a:ea typeface="+mn-ea"/>
+                    <a:cs typeface="+mn-cs"/>
+                  </a:defRPr>
+                </a:lvl9pPr>
+              </a:lstStyle>
+              <a:p>
+                <a:pPr marL="0" indent="0" algn="l"/>
+                <a:endParaRPr lang="en-GB" sz="1100">
+                  <a:solidFill>
+                    <a:schemeClr val="tx1"/>
+                  </a:solidFill>
+                  <a:latin typeface="+mn-lt"/>
+                  <a:ea typeface="+mn-ea"/>
+                  <a:cs typeface="+mn-cs"/>
+                </a:endParaRPr>
+              </a:p>
+            </p:txBody>
+          </p:sp>
+        </p:grpSp>
+        <p:cxnSp>
+          <p:nvCxnSpPr>
+            <p:cNvPr id="19" name="Conector reto 18"/>
+            <p:cNvCxnSpPr>
+              <a:stCxn id="40" idx="3"/>
+            </p:cNvCxnSpPr>
+            <p:nvPr/>
+          </p:nvCxnSpPr>
+          <p:spPr>
+            <a:xfrm>
+              <a:off x="1638300" y="3324224"/>
+              <a:ext cx="4229100" cy="0"/>
+            </a:xfrm>
+            <a:prstGeom prst="line">
+              <a:avLst/>
+            </a:prstGeom>
+            <a:ln w="25400">
+              <a:solidFill>
+                <a:schemeClr val="tx1">
+                  <a:lumMod val="75000"/>
+                  <a:lumOff val="25000"/>
+                </a:schemeClr>
+              </a:solidFill>
+            </a:ln>
+          </p:spPr>
+          <p:style>
+            <a:lnRef idx="1">
+              <a:schemeClr val="accent1"/>
+            </a:lnRef>
+            <a:fillRef idx="0">
+              <a:schemeClr val="accent1"/>
+            </a:fillRef>
+            <a:effectRef idx="0">
+              <a:schemeClr val="accent1"/>
+            </a:effectRef>
+            <a:fontRef idx="minor">
+              <a:schemeClr val="tx1"/>
+            </a:fontRef>
+          </p:style>
+        </p:cxnSp>
+        <p:sp>
+          <p:nvSpPr>
+            <p:cNvPr id="20" name="CaixaDeTexto 55"/>
+            <p:cNvSpPr txBox="1"/>
+            <p:nvPr/>
+          </p:nvSpPr>
+          <p:spPr>
+            <a:xfrm>
+              <a:off x="2609850" y="2285998"/>
+              <a:ext cx="3200400" cy="333375"/>
+            </a:xfrm>
+            <a:prstGeom prst="rect">
+              <a:avLst/>
+            </a:prstGeom>
+            <a:solidFill>
+              <a:schemeClr val="lt1">
+                <a:alpha val="0"/>
+              </a:schemeClr>
+            </a:solidFill>
+            <a:ln w="9525" cmpd="sng">
+              <a:noFill/>
+            </a:ln>
+          </p:spPr>
+          <p:style>
+            <a:lnRef idx="0">
+              <a:scrgbClr r="0" g="0" b="0"/>
+            </a:lnRef>
+            <a:fillRef idx="0">
+              <a:scrgbClr r="0" g="0" b="0"/>
+            </a:fillRef>
+            <a:effectRef idx="0">
+              <a:scrgbClr r="0" g="0" b="0"/>
+            </a:effectRef>
+            <a:fontRef idx="minor">
+              <a:schemeClr val="dk1"/>
+            </a:fontRef>
+          </p:style>
+          <p:txBody>
+            <a:bodyPr wrap="square" rtlCol="0" anchor="ctr"/>
+            <a:lstStyle>
+              <a:lvl1pPr marL="0" indent="0">
+                <a:defRPr sz="1100">
+                  <a:solidFill>
+                    <a:schemeClr val="dk1"/>
+                  </a:solidFill>
+                  <a:latin typeface="+mn-lt"/>
+                  <a:ea typeface="+mn-ea"/>
+                  <a:cs typeface="+mn-cs"/>
+                </a:defRPr>
+              </a:lvl1pPr>
+              <a:lvl2pPr marL="457200" indent="0">
+                <a:defRPr sz="1100">
+                  <a:solidFill>
+                    <a:schemeClr val="dk1"/>
+                  </a:solidFill>
+                  <a:latin typeface="+mn-lt"/>
+                  <a:ea typeface="+mn-ea"/>
+                  <a:cs typeface="+mn-cs"/>
+                </a:defRPr>
+              </a:lvl2pPr>
+              <a:lvl3pPr marL="914400" indent="0">
+                <a:defRPr sz="1100">
+                  <a:solidFill>
+                    <a:schemeClr val="dk1"/>
+                  </a:solidFill>
+                  <a:latin typeface="+mn-lt"/>
+                  <a:ea typeface="+mn-ea"/>
+                  <a:cs typeface="+mn-cs"/>
+                </a:defRPr>
+              </a:lvl3pPr>
+              <a:lvl4pPr marL="1371600" indent="0">
+                <a:defRPr sz="1100">
+                  <a:solidFill>
+                    <a:schemeClr val="dk1"/>
+                  </a:solidFill>
+                  <a:latin typeface="+mn-lt"/>
+                  <a:ea typeface="+mn-ea"/>
+                  <a:cs typeface="+mn-cs"/>
+                </a:defRPr>
+              </a:lvl4pPr>
+              <a:lvl5pPr marL="1828800" indent="0">
+                <a:defRPr sz="1100">
+                  <a:solidFill>
+                    <a:schemeClr val="dk1"/>
+                  </a:solidFill>
+                  <a:latin typeface="+mn-lt"/>
+                  <a:ea typeface="+mn-ea"/>
+                  <a:cs typeface="+mn-cs"/>
+                </a:defRPr>
+              </a:lvl5pPr>
+              <a:lvl6pPr marL="2286000" indent="0">
+                <a:defRPr sz="1100">
+                  <a:solidFill>
+                    <a:schemeClr val="dk1"/>
+                  </a:solidFill>
+                  <a:latin typeface="+mn-lt"/>
+                  <a:ea typeface="+mn-ea"/>
+                  <a:cs typeface="+mn-cs"/>
+                </a:defRPr>
+              </a:lvl6pPr>
+              <a:lvl7pPr marL="2743200" indent="0">
+                <a:defRPr sz="1100">
+                  <a:solidFill>
+                    <a:schemeClr val="dk1"/>
+                  </a:solidFill>
+                  <a:latin typeface="+mn-lt"/>
+                  <a:ea typeface="+mn-ea"/>
+                  <a:cs typeface="+mn-cs"/>
+                </a:defRPr>
+              </a:lvl7pPr>
+              <a:lvl8pPr marL="3200400" indent="0">
+                <a:defRPr sz="1100">
+                  <a:solidFill>
+                    <a:schemeClr val="dk1"/>
+                  </a:solidFill>
+                  <a:latin typeface="+mn-lt"/>
+                  <a:ea typeface="+mn-ea"/>
+                  <a:cs typeface="+mn-cs"/>
+                </a:defRPr>
+              </a:lvl8pPr>
+              <a:lvl9pPr marL="3657600" indent="0">
+                <a:defRPr sz="1100">
+                  <a:solidFill>
+                    <a:schemeClr val="dk1"/>
+                  </a:solidFill>
+                  <a:latin typeface="+mn-lt"/>
+                  <a:ea typeface="+mn-ea"/>
+                  <a:cs typeface="+mn-cs"/>
+                </a:defRPr>
+              </a:lvl9pPr>
+            </a:lstStyle>
+            <a:p>
+              <a:r>
+                <a:rPr lang="pt-BR" sz="1600" b="1" dirty="0">
+                  <a:solidFill>
+                    <a:schemeClr val="accent4"/>
+                  </a:solidFill>
+                  <a:latin typeface="Arial" pitchFamily="34" charset="0"/>
+                  <a:ea typeface="Tahoma" pitchFamily="34" charset="0"/>
+                  <a:cs typeface="Arial" pitchFamily="34" charset="0"/>
+                </a:rPr>
+                <a:t>CM, MA, PMC, PP,</a:t>
+              </a:r>
+              <a:r>
+                <a:rPr lang="pt-BR" b="1" dirty="0">
+                  <a:solidFill>
+                    <a:schemeClr val="accent4"/>
+                  </a:solidFill>
+                  <a:latin typeface="Arial" pitchFamily="34" charset="0"/>
+                  <a:ea typeface="Tahoma" pitchFamily="34" charset="0"/>
+                  <a:cs typeface="Arial" pitchFamily="34" charset="0"/>
+                </a:rPr>
+                <a:t> </a:t>
+              </a:r>
+              <a:r>
+                <a:rPr lang="pt-BR" sz="3200" b="1" dirty="0">
+                  <a:solidFill>
+                    <a:schemeClr val="accent1">
+                      <a:lumMod val="20000"/>
+                      <a:lumOff val="80000"/>
+                    </a:schemeClr>
+                  </a:solidFill>
+                  <a:latin typeface="Arial" pitchFamily="34" charset="0"/>
+                  <a:ea typeface="Tahoma" pitchFamily="34" charset="0"/>
+                  <a:cs typeface="Arial" pitchFamily="34" charset="0"/>
+                </a:rPr>
+                <a:t>PPQA</a:t>
+              </a:r>
+              <a:r>
+                <a:rPr lang="pt-BR" b="1" dirty="0">
+                  <a:solidFill>
+                    <a:schemeClr val="accent4"/>
+                  </a:solidFill>
+                  <a:latin typeface="Arial" pitchFamily="34" charset="0"/>
+                  <a:ea typeface="Tahoma" pitchFamily="34" charset="0"/>
+                  <a:cs typeface="Arial" pitchFamily="34" charset="0"/>
+                </a:rPr>
+                <a:t>, </a:t>
+              </a:r>
+              <a:r>
+                <a:rPr lang="pt-BR" sz="1600" b="1" dirty="0">
+                  <a:solidFill>
+                    <a:schemeClr val="accent4"/>
+                  </a:solidFill>
+                  <a:latin typeface="Arial" pitchFamily="34" charset="0"/>
+                  <a:ea typeface="Tahoma" pitchFamily="34" charset="0"/>
+                  <a:cs typeface="Arial" pitchFamily="34" charset="0"/>
+                </a:rPr>
+                <a:t>REQM e SAM</a:t>
+              </a:r>
+              <a:endParaRPr lang="pt-BR" b="1" dirty="0">
+                <a:solidFill>
+                  <a:schemeClr val="accent4"/>
+                </a:solidFill>
+                <a:latin typeface="Arial" pitchFamily="34" charset="0"/>
+                <a:ea typeface="Tahoma" pitchFamily="34" charset="0"/>
+                <a:cs typeface="Arial" pitchFamily="34" charset="0"/>
+              </a:endParaRPr>
+            </a:p>
+          </p:txBody>
+        </p:sp>
+        <p:cxnSp>
+          <p:nvCxnSpPr>
+            <p:cNvPr id="21" name="Conector reto 20"/>
+            <p:cNvCxnSpPr/>
+            <p:nvPr/>
+          </p:nvCxnSpPr>
+          <p:spPr>
+            <a:xfrm>
+              <a:off x="2238375" y="2543174"/>
+              <a:ext cx="609600" cy="1"/>
+            </a:xfrm>
+            <a:prstGeom prst="line">
+              <a:avLst/>
+            </a:prstGeom>
+            <a:ln w="25400">
+              <a:solidFill>
+                <a:schemeClr val="tx1">
+                  <a:lumMod val="75000"/>
+                  <a:lumOff val="25000"/>
+                </a:schemeClr>
+              </a:solidFill>
+            </a:ln>
+          </p:spPr>
+          <p:style>
+            <a:lnRef idx="1">
+              <a:schemeClr val="accent1"/>
+            </a:lnRef>
+            <a:fillRef idx="0">
+              <a:schemeClr val="accent1"/>
+            </a:fillRef>
+            <a:effectRef idx="0">
+              <a:schemeClr val="accent1"/>
+            </a:effectRef>
+            <a:fontRef idx="minor">
+              <a:schemeClr val="tx1"/>
+            </a:fontRef>
+          </p:style>
+        </p:cxnSp>
+        <p:sp>
+          <p:nvSpPr>
+            <p:cNvPr id="22" name="CaixaDeTexto 57"/>
+            <p:cNvSpPr txBox="1"/>
+            <p:nvPr/>
+          </p:nvSpPr>
+          <p:spPr>
+            <a:xfrm>
+              <a:off x="3190286" y="1628772"/>
+              <a:ext cx="2799639" cy="508514"/>
+            </a:xfrm>
+            <a:prstGeom prst="rect">
+              <a:avLst/>
+            </a:prstGeom>
+            <a:solidFill>
+              <a:schemeClr val="lt1">
+                <a:alpha val="0"/>
+              </a:schemeClr>
+            </a:solidFill>
+            <a:ln w="9525" cmpd="sng">
+              <a:noFill/>
+            </a:ln>
+          </p:spPr>
+          <p:style>
+            <a:lnRef idx="0">
+              <a:scrgbClr r="0" g="0" b="0"/>
+            </a:lnRef>
+            <a:fillRef idx="0">
+              <a:scrgbClr r="0" g="0" b="0"/>
+            </a:fillRef>
+            <a:effectRef idx="0">
+              <a:scrgbClr r="0" g="0" b="0"/>
+            </a:effectRef>
+            <a:fontRef idx="minor">
+              <a:schemeClr val="dk1"/>
+            </a:fontRef>
+          </p:style>
+          <p:txBody>
+            <a:bodyPr wrap="square" rtlCol="0" anchor="ctr"/>
+            <a:lstStyle>
+              <a:lvl1pPr marL="0" indent="0">
+                <a:defRPr sz="1100">
+                  <a:solidFill>
+                    <a:schemeClr val="dk1"/>
+                  </a:solidFill>
+                  <a:latin typeface="+mn-lt"/>
+                  <a:ea typeface="+mn-ea"/>
+                  <a:cs typeface="+mn-cs"/>
+                </a:defRPr>
+              </a:lvl1pPr>
+              <a:lvl2pPr marL="457200" indent="0">
+                <a:defRPr sz="1100">
+                  <a:solidFill>
+                    <a:schemeClr val="dk1"/>
+                  </a:solidFill>
+                  <a:latin typeface="+mn-lt"/>
+                  <a:ea typeface="+mn-ea"/>
+                  <a:cs typeface="+mn-cs"/>
+                </a:defRPr>
+              </a:lvl2pPr>
+              <a:lvl3pPr marL="914400" indent="0">
+                <a:defRPr sz="1100">
+                  <a:solidFill>
+                    <a:schemeClr val="dk1"/>
+                  </a:solidFill>
+                  <a:latin typeface="+mn-lt"/>
+                  <a:ea typeface="+mn-ea"/>
+                  <a:cs typeface="+mn-cs"/>
+                </a:defRPr>
+              </a:lvl3pPr>
+              <a:lvl4pPr marL="1371600" indent="0">
+                <a:defRPr sz="1100">
+                  <a:solidFill>
+                    <a:schemeClr val="dk1"/>
+                  </a:solidFill>
+                  <a:latin typeface="+mn-lt"/>
+                  <a:ea typeface="+mn-ea"/>
+                  <a:cs typeface="+mn-cs"/>
+                </a:defRPr>
+              </a:lvl4pPr>
+              <a:lvl5pPr marL="1828800" indent="0">
+                <a:defRPr sz="1100">
+                  <a:solidFill>
+                    <a:schemeClr val="dk1"/>
+                  </a:solidFill>
+                  <a:latin typeface="+mn-lt"/>
+                  <a:ea typeface="+mn-ea"/>
+                  <a:cs typeface="+mn-cs"/>
+                </a:defRPr>
+              </a:lvl5pPr>
+              <a:lvl6pPr marL="2286000" indent="0">
+                <a:defRPr sz="1100">
+                  <a:solidFill>
+                    <a:schemeClr val="dk1"/>
+                  </a:solidFill>
+                  <a:latin typeface="+mn-lt"/>
+                  <a:ea typeface="+mn-ea"/>
+                  <a:cs typeface="+mn-cs"/>
+                </a:defRPr>
+              </a:lvl6pPr>
+              <a:lvl7pPr marL="2743200" indent="0">
+                <a:defRPr sz="1100">
+                  <a:solidFill>
+                    <a:schemeClr val="dk1"/>
+                  </a:solidFill>
+                  <a:latin typeface="+mn-lt"/>
+                  <a:ea typeface="+mn-ea"/>
+                  <a:cs typeface="+mn-cs"/>
+                </a:defRPr>
+              </a:lvl7pPr>
+              <a:lvl8pPr marL="3200400" indent="0">
+                <a:defRPr sz="1100">
+                  <a:solidFill>
+                    <a:schemeClr val="dk1"/>
+                  </a:solidFill>
+                  <a:latin typeface="+mn-lt"/>
+                  <a:ea typeface="+mn-ea"/>
+                  <a:cs typeface="+mn-cs"/>
+                </a:defRPr>
+              </a:lvl8pPr>
+              <a:lvl9pPr marL="3657600" indent="0">
+                <a:defRPr sz="1100">
+                  <a:solidFill>
+                    <a:schemeClr val="dk1"/>
+                  </a:solidFill>
+                  <a:latin typeface="+mn-lt"/>
+                  <a:ea typeface="+mn-ea"/>
+                  <a:cs typeface="+mn-cs"/>
+                </a:defRPr>
+              </a:lvl9pPr>
+            </a:lstStyle>
+            <a:p>
+              <a:r>
+                <a:rPr lang="pt-BR" sz="1600" b="1" dirty="0">
+                  <a:solidFill>
+                    <a:schemeClr val="accent4"/>
+                  </a:solidFill>
+                  <a:latin typeface="Arial" pitchFamily="34" charset="0"/>
+                  <a:ea typeface="Tahoma" pitchFamily="34" charset="0"/>
+                  <a:cs typeface="Arial" pitchFamily="34" charset="0"/>
+                </a:rPr>
+                <a:t>DAR, IPM, OPD, OPF, OT, PI, </a:t>
+              </a:r>
+              <a:endParaRPr lang="pt-BR" sz="1600" b="1" dirty="0" smtClean="0">
+                <a:solidFill>
+                  <a:schemeClr val="accent4"/>
+                </a:solidFill>
+                <a:latin typeface="Arial" pitchFamily="34" charset="0"/>
+                <a:ea typeface="Tahoma" pitchFamily="34" charset="0"/>
+                <a:cs typeface="Arial" pitchFamily="34" charset="0"/>
+              </a:endParaRPr>
+            </a:p>
+            <a:p>
+              <a:r>
+                <a:rPr lang="pt-BR" sz="1600" b="1" dirty="0" smtClean="0">
+                  <a:solidFill>
+                    <a:schemeClr val="accent4"/>
+                  </a:solidFill>
+                  <a:latin typeface="Arial" pitchFamily="34" charset="0"/>
+                  <a:ea typeface="Tahoma" pitchFamily="34" charset="0"/>
+                  <a:cs typeface="Arial" pitchFamily="34" charset="0"/>
+                </a:rPr>
+                <a:t>RD</a:t>
+              </a:r>
+              <a:r>
+                <a:rPr lang="pt-BR" sz="1600" b="1" dirty="0">
+                  <a:solidFill>
+                    <a:schemeClr val="accent4"/>
+                  </a:solidFill>
+                  <a:latin typeface="Arial" pitchFamily="34" charset="0"/>
+                  <a:ea typeface="Tahoma" pitchFamily="34" charset="0"/>
+                  <a:cs typeface="Arial" pitchFamily="34" charset="0"/>
+                </a:rPr>
+                <a:t>, </a:t>
+              </a:r>
+              <a:r>
+                <a:rPr lang="pt-BR" sz="1600" b="1" dirty="0" smtClean="0">
+                  <a:solidFill>
+                    <a:schemeClr val="accent4"/>
+                  </a:solidFill>
+                  <a:latin typeface="Arial" pitchFamily="34" charset="0"/>
+                  <a:ea typeface="Tahoma" pitchFamily="34" charset="0"/>
+                  <a:cs typeface="Arial" pitchFamily="34" charset="0"/>
+                </a:rPr>
+                <a:t>RSKM, TS</a:t>
+              </a:r>
+              <a:r>
+                <a:rPr lang="pt-BR" sz="1600" b="1" dirty="0">
+                  <a:solidFill>
+                    <a:schemeClr val="accent4"/>
+                  </a:solidFill>
+                  <a:latin typeface="Arial" pitchFamily="34" charset="0"/>
+                  <a:ea typeface="Tahoma" pitchFamily="34" charset="0"/>
+                  <a:cs typeface="Arial" pitchFamily="34" charset="0"/>
+                </a:rPr>
+                <a:t>, VAL e VER</a:t>
+              </a:r>
+            </a:p>
+          </p:txBody>
+        </p:sp>
+        <p:cxnSp>
+          <p:nvCxnSpPr>
+            <p:cNvPr id="23" name="Conector reto 22"/>
+            <p:cNvCxnSpPr/>
+            <p:nvPr/>
+          </p:nvCxnSpPr>
+          <p:spPr>
+            <a:xfrm>
+              <a:off x="2819400" y="1895474"/>
+              <a:ext cx="609600" cy="1"/>
+            </a:xfrm>
+            <a:prstGeom prst="line">
+              <a:avLst/>
+            </a:prstGeom>
+            <a:ln w="25400">
+              <a:solidFill>
+                <a:schemeClr val="tx1">
+                  <a:lumMod val="75000"/>
+                  <a:lumOff val="25000"/>
+                </a:schemeClr>
+              </a:solidFill>
+            </a:ln>
+          </p:spPr>
+          <p:style>
+            <a:lnRef idx="1">
+              <a:schemeClr val="accent1"/>
+            </a:lnRef>
+            <a:fillRef idx="0">
+              <a:schemeClr val="accent1"/>
+            </a:fillRef>
+            <a:effectRef idx="0">
+              <a:schemeClr val="accent1"/>
+            </a:effectRef>
+            <a:fontRef idx="minor">
+              <a:schemeClr val="tx1"/>
+            </a:fontRef>
+          </p:style>
+        </p:cxnSp>
+        <p:sp>
+          <p:nvSpPr>
+            <p:cNvPr id="24" name="CaixaDeTexto 59"/>
+            <p:cNvSpPr txBox="1"/>
+            <p:nvPr/>
+          </p:nvSpPr>
+          <p:spPr>
+            <a:xfrm>
+              <a:off x="3705224" y="819148"/>
+              <a:ext cx="1242975" cy="336142"/>
+            </a:xfrm>
+            <a:prstGeom prst="rect">
+              <a:avLst/>
+            </a:prstGeom>
+            <a:solidFill>
+              <a:schemeClr val="lt1">
+                <a:alpha val="0"/>
+              </a:schemeClr>
+            </a:solidFill>
+            <a:ln w="9525" cmpd="sng">
+              <a:noFill/>
+            </a:ln>
+          </p:spPr>
+          <p:style>
+            <a:lnRef idx="0">
+              <a:scrgbClr r="0" g="0" b="0"/>
+            </a:lnRef>
+            <a:fillRef idx="0">
+              <a:scrgbClr r="0" g="0" b="0"/>
+            </a:fillRef>
+            <a:effectRef idx="0">
+              <a:scrgbClr r="0" g="0" b="0"/>
+            </a:effectRef>
+            <a:fontRef idx="minor">
+              <a:schemeClr val="dk1"/>
+            </a:fontRef>
+          </p:style>
+          <p:txBody>
+            <a:bodyPr wrap="square" rtlCol="0" anchor="ctr"/>
+            <a:lstStyle>
+              <a:lvl1pPr marL="0" indent="0">
+                <a:defRPr sz="1100">
+                  <a:solidFill>
+                    <a:schemeClr val="dk1"/>
+                  </a:solidFill>
+                  <a:latin typeface="+mn-lt"/>
+                  <a:ea typeface="+mn-ea"/>
+                  <a:cs typeface="+mn-cs"/>
+                </a:defRPr>
+              </a:lvl1pPr>
+              <a:lvl2pPr marL="457200" indent="0">
+                <a:defRPr sz="1100">
+                  <a:solidFill>
+                    <a:schemeClr val="dk1"/>
+                  </a:solidFill>
+                  <a:latin typeface="+mn-lt"/>
+                  <a:ea typeface="+mn-ea"/>
+                  <a:cs typeface="+mn-cs"/>
+                </a:defRPr>
+              </a:lvl2pPr>
+              <a:lvl3pPr marL="914400" indent="0">
+                <a:defRPr sz="1100">
+                  <a:solidFill>
+                    <a:schemeClr val="dk1"/>
+                  </a:solidFill>
+                  <a:latin typeface="+mn-lt"/>
+                  <a:ea typeface="+mn-ea"/>
+                  <a:cs typeface="+mn-cs"/>
+                </a:defRPr>
+              </a:lvl3pPr>
+              <a:lvl4pPr marL="1371600" indent="0">
+                <a:defRPr sz="1100">
+                  <a:solidFill>
+                    <a:schemeClr val="dk1"/>
+                  </a:solidFill>
+                  <a:latin typeface="+mn-lt"/>
+                  <a:ea typeface="+mn-ea"/>
+                  <a:cs typeface="+mn-cs"/>
+                </a:defRPr>
+              </a:lvl4pPr>
+              <a:lvl5pPr marL="1828800" indent="0">
+                <a:defRPr sz="1100">
+                  <a:solidFill>
+                    <a:schemeClr val="dk1"/>
+                  </a:solidFill>
+                  <a:latin typeface="+mn-lt"/>
+                  <a:ea typeface="+mn-ea"/>
+                  <a:cs typeface="+mn-cs"/>
+                </a:defRPr>
+              </a:lvl5pPr>
+              <a:lvl6pPr marL="2286000" indent="0">
+                <a:defRPr sz="1100">
+                  <a:solidFill>
+                    <a:schemeClr val="dk1"/>
+                  </a:solidFill>
+                  <a:latin typeface="+mn-lt"/>
+                  <a:ea typeface="+mn-ea"/>
+                  <a:cs typeface="+mn-cs"/>
+                </a:defRPr>
+              </a:lvl6pPr>
+              <a:lvl7pPr marL="2743200" indent="0">
+                <a:defRPr sz="1100">
+                  <a:solidFill>
+                    <a:schemeClr val="dk1"/>
+                  </a:solidFill>
+                  <a:latin typeface="+mn-lt"/>
+                  <a:ea typeface="+mn-ea"/>
+                  <a:cs typeface="+mn-cs"/>
+                </a:defRPr>
+              </a:lvl7pPr>
+              <a:lvl8pPr marL="3200400" indent="0">
+                <a:defRPr sz="1100">
+                  <a:solidFill>
+                    <a:schemeClr val="dk1"/>
+                  </a:solidFill>
+                  <a:latin typeface="+mn-lt"/>
+                  <a:ea typeface="+mn-ea"/>
+                  <a:cs typeface="+mn-cs"/>
+                </a:defRPr>
+              </a:lvl8pPr>
+              <a:lvl9pPr marL="3657600" indent="0">
+                <a:defRPr sz="1100">
+                  <a:solidFill>
+                    <a:schemeClr val="dk1"/>
+                  </a:solidFill>
+                  <a:latin typeface="+mn-lt"/>
+                  <a:ea typeface="+mn-ea"/>
+                  <a:cs typeface="+mn-cs"/>
+                </a:defRPr>
+              </a:lvl9pPr>
+            </a:lstStyle>
+            <a:p>
+              <a:r>
+                <a:rPr lang="pt-BR" sz="1600" b="1" dirty="0">
+                  <a:solidFill>
+                    <a:schemeClr val="accent4"/>
+                  </a:solidFill>
+                  <a:latin typeface="Arial" pitchFamily="34" charset="0"/>
+                  <a:ea typeface="Tahoma" pitchFamily="34" charset="0"/>
+                  <a:cs typeface="Arial" pitchFamily="34" charset="0"/>
+                </a:rPr>
+                <a:t>OPP e QPM</a:t>
+              </a:r>
+            </a:p>
+          </p:txBody>
+        </p:sp>
+        <p:cxnSp>
+          <p:nvCxnSpPr>
+            <p:cNvPr id="25" name="Conector reto 24"/>
+            <p:cNvCxnSpPr/>
+            <p:nvPr/>
+          </p:nvCxnSpPr>
+          <p:spPr>
+            <a:xfrm>
+              <a:off x="3457575" y="1123949"/>
+              <a:ext cx="609600" cy="1"/>
+            </a:xfrm>
+            <a:prstGeom prst="line">
+              <a:avLst/>
+            </a:prstGeom>
+            <a:ln w="25400">
+              <a:solidFill>
+                <a:schemeClr val="tx1">
+                  <a:lumMod val="75000"/>
+                  <a:lumOff val="25000"/>
+                </a:schemeClr>
+              </a:solidFill>
+            </a:ln>
+          </p:spPr>
+          <p:style>
+            <a:lnRef idx="1">
+              <a:schemeClr val="accent1"/>
+            </a:lnRef>
+            <a:fillRef idx="0">
+              <a:schemeClr val="accent1"/>
+            </a:fillRef>
+            <a:effectRef idx="0">
+              <a:schemeClr val="accent1"/>
+            </a:effectRef>
+            <a:fontRef idx="minor">
+              <a:schemeClr val="tx1"/>
+            </a:fontRef>
+          </p:style>
+        </p:cxnSp>
+        <p:sp>
+          <p:nvSpPr>
+            <p:cNvPr id="26" name="CaixaDeTexto 61"/>
+            <p:cNvSpPr txBox="1"/>
+            <p:nvPr/>
+          </p:nvSpPr>
+          <p:spPr>
+            <a:xfrm>
+              <a:off x="4276725" y="-57765"/>
+              <a:ext cx="1452769" cy="462116"/>
+            </a:xfrm>
+            <a:prstGeom prst="rect">
+              <a:avLst/>
+            </a:prstGeom>
+            <a:solidFill>
+              <a:schemeClr val="lt1">
+                <a:alpha val="0"/>
+              </a:schemeClr>
+            </a:solidFill>
+            <a:ln w="9525" cmpd="sng">
+              <a:noFill/>
+            </a:ln>
+          </p:spPr>
+          <p:style>
+            <a:lnRef idx="0">
+              <a:scrgbClr r="0" g="0" b="0"/>
+            </a:lnRef>
+            <a:fillRef idx="0">
+              <a:scrgbClr r="0" g="0" b="0"/>
+            </a:fillRef>
+            <a:effectRef idx="0">
+              <a:scrgbClr r="0" g="0" b="0"/>
+            </a:effectRef>
+            <a:fontRef idx="minor">
+              <a:schemeClr val="dk1"/>
+            </a:fontRef>
+          </p:style>
+          <p:txBody>
+            <a:bodyPr wrap="square" rtlCol="0" anchor="ctr"/>
+            <a:lstStyle>
+              <a:lvl1pPr marL="0" indent="0">
+                <a:defRPr sz="1100">
+                  <a:solidFill>
+                    <a:schemeClr val="dk1"/>
+                  </a:solidFill>
+                  <a:latin typeface="+mn-lt"/>
+                  <a:ea typeface="+mn-ea"/>
+                  <a:cs typeface="+mn-cs"/>
+                </a:defRPr>
+              </a:lvl1pPr>
+              <a:lvl2pPr marL="457200" indent="0">
+                <a:defRPr sz="1100">
+                  <a:solidFill>
+                    <a:schemeClr val="dk1"/>
+                  </a:solidFill>
+                  <a:latin typeface="+mn-lt"/>
+                  <a:ea typeface="+mn-ea"/>
+                  <a:cs typeface="+mn-cs"/>
+                </a:defRPr>
+              </a:lvl2pPr>
+              <a:lvl3pPr marL="914400" indent="0">
+                <a:defRPr sz="1100">
+                  <a:solidFill>
+                    <a:schemeClr val="dk1"/>
+                  </a:solidFill>
+                  <a:latin typeface="+mn-lt"/>
+                  <a:ea typeface="+mn-ea"/>
+                  <a:cs typeface="+mn-cs"/>
+                </a:defRPr>
+              </a:lvl3pPr>
+              <a:lvl4pPr marL="1371600" indent="0">
+                <a:defRPr sz="1100">
+                  <a:solidFill>
+                    <a:schemeClr val="dk1"/>
+                  </a:solidFill>
+                  <a:latin typeface="+mn-lt"/>
+                  <a:ea typeface="+mn-ea"/>
+                  <a:cs typeface="+mn-cs"/>
+                </a:defRPr>
+              </a:lvl4pPr>
+              <a:lvl5pPr marL="1828800" indent="0">
+                <a:defRPr sz="1100">
+                  <a:solidFill>
+                    <a:schemeClr val="dk1"/>
+                  </a:solidFill>
+                  <a:latin typeface="+mn-lt"/>
+                  <a:ea typeface="+mn-ea"/>
+                  <a:cs typeface="+mn-cs"/>
+                </a:defRPr>
+              </a:lvl5pPr>
+              <a:lvl6pPr marL="2286000" indent="0">
+                <a:defRPr sz="1100">
+                  <a:solidFill>
+                    <a:schemeClr val="dk1"/>
+                  </a:solidFill>
+                  <a:latin typeface="+mn-lt"/>
+                  <a:ea typeface="+mn-ea"/>
+                  <a:cs typeface="+mn-cs"/>
+                </a:defRPr>
+              </a:lvl6pPr>
+              <a:lvl7pPr marL="2743200" indent="0">
+                <a:defRPr sz="1100">
+                  <a:solidFill>
+                    <a:schemeClr val="dk1"/>
+                  </a:solidFill>
+                  <a:latin typeface="+mn-lt"/>
+                  <a:ea typeface="+mn-ea"/>
+                  <a:cs typeface="+mn-cs"/>
+                </a:defRPr>
+              </a:lvl7pPr>
+              <a:lvl8pPr marL="3200400" indent="0">
+                <a:defRPr sz="1100">
+                  <a:solidFill>
+                    <a:schemeClr val="dk1"/>
+                  </a:solidFill>
+                  <a:latin typeface="+mn-lt"/>
+                  <a:ea typeface="+mn-ea"/>
+                  <a:cs typeface="+mn-cs"/>
+                </a:defRPr>
+              </a:lvl8pPr>
+              <a:lvl9pPr marL="3657600" indent="0">
+                <a:defRPr sz="1100">
+                  <a:solidFill>
+                    <a:schemeClr val="dk1"/>
+                  </a:solidFill>
+                  <a:latin typeface="+mn-lt"/>
+                  <a:ea typeface="+mn-ea"/>
+                  <a:cs typeface="+mn-cs"/>
+                </a:defRPr>
+              </a:lvl9pPr>
+            </a:lstStyle>
+            <a:p>
+              <a:r>
+                <a:rPr lang="pt-BR" sz="1600" b="1" dirty="0">
+                  <a:solidFill>
+                    <a:schemeClr val="accent4"/>
+                  </a:solidFill>
+                  <a:latin typeface="Arial" pitchFamily="34" charset="0"/>
+                  <a:ea typeface="Tahoma" pitchFamily="34" charset="0"/>
+                  <a:cs typeface="Arial" pitchFamily="34" charset="0"/>
+                </a:rPr>
+                <a:t>CAR e OPM</a:t>
+              </a:r>
+            </a:p>
+          </p:txBody>
+        </p:sp>
+        <p:cxnSp>
+          <p:nvCxnSpPr>
+            <p:cNvPr id="39" name="Conector reto 38"/>
+            <p:cNvCxnSpPr/>
+            <p:nvPr/>
+          </p:nvCxnSpPr>
+          <p:spPr>
+            <a:xfrm>
+              <a:off x="4029075" y="314324"/>
+              <a:ext cx="609600" cy="1"/>
+            </a:xfrm>
+            <a:prstGeom prst="line">
+              <a:avLst/>
+            </a:prstGeom>
+            <a:ln w="25400">
+              <a:solidFill>
+                <a:schemeClr val="tx1">
+                  <a:lumMod val="75000"/>
+                  <a:lumOff val="25000"/>
+                </a:schemeClr>
+              </a:solidFill>
+            </a:ln>
+          </p:spPr>
+          <p:style>
+            <a:lnRef idx="1">
+              <a:schemeClr val="accent1"/>
+            </a:lnRef>
+            <a:fillRef idx="0">
+              <a:schemeClr val="accent1"/>
+            </a:fillRef>
+            <a:effectRef idx="0">
+              <a:schemeClr val="accent1"/>
+            </a:effectRef>
+            <a:fontRef idx="minor">
+              <a:schemeClr val="tx1"/>
+            </a:fontRef>
+          </p:style>
+        </p:cxnSp>
+      </p:grpSp>
+    </p:spTree>
+  </p:cSld>
+  <p:clrMapOvr>
+    <a:masterClrMapping/>
+  </p:clrMapOvr>
+  <p:timing>
+    <p:tnLst>
+      <p:par>
+        <p:cTn id="1" dur="indefinite" restart="never" nodeType="tmRoot"/>
+      </p:par>
+    </p:tnLst>
+  </p:timing>
+</p:sld>
+</file>
+
+<file path=ppt/slides/slide16.xml><?xml version="1.0" encoding="utf-8"?>
 <p:sld xmlns:a="http://schemas.openxmlformats.org/drawingml/2006/main" xmlns:r="http://schemas.openxmlformats.org/officeDocument/2006/relationships" xmlns:p="http://schemas.openxmlformats.org/presentationml/2006/main">
   <p:cSld>
     <p:spTree>
@@ -7600,121 +10267,6 @@
 </p:sld>
 </file>
 
-<file path=ppt/slides/slide16.xml><?xml version="1.0" encoding="utf-8"?>
-<p:sld xmlns:a="http://schemas.openxmlformats.org/drawingml/2006/main" xmlns:r="http://schemas.openxmlformats.org/officeDocument/2006/relationships" xmlns:p="http://schemas.openxmlformats.org/presentationml/2006/main">
-  <p:cSld>
-    <p:spTree>
-      <p:nvGrpSpPr>
-        <p:cNvPr id="1" name=""/>
-        <p:cNvGrpSpPr/>
-        <p:nvPr/>
-      </p:nvGrpSpPr>
-      <p:grpSpPr>
-        <a:xfrm>
-          <a:off x="0" y="0"/>
-          <a:ext cx="0" cy="0"/>
-          <a:chOff x="0" y="0"/>
-          <a:chExt cx="0" cy="0"/>
-        </a:xfrm>
-      </p:grpSpPr>
-      <p:sp>
-        <p:nvSpPr>
-          <p:cNvPr id="19458" name="Rectangle 2"/>
-          <p:cNvSpPr>
-            <a:spLocks noGrp="1" noChangeArrowheads="1"/>
-          </p:cNvSpPr>
-          <p:nvPr>
-            <p:ph type="title"/>
-          </p:nvPr>
-        </p:nvSpPr>
-        <p:spPr/>
-        <p:txBody>
-          <a:bodyPr/>
-          <a:lstStyle/>
-          <a:p>
-            <a:r>
-              <a:rPr lang="en-GB" altLang="en-US" dirty="0" smtClean="0"/>
-              <a:t>CMMI - PPQA</a:t>
-            </a:r>
-            <a:endParaRPr lang="en-GB" altLang="en-US" dirty="0"/>
-          </a:p>
-        </p:txBody>
-      </p:sp>
-      <p:sp>
-        <p:nvSpPr>
-          <p:cNvPr id="19459" name="Rectangle 3"/>
-          <p:cNvSpPr>
-            <a:spLocks noGrp="1" noChangeArrowheads="1"/>
-          </p:cNvSpPr>
-          <p:nvPr>
-            <p:ph type="body" idx="1"/>
-          </p:nvPr>
-        </p:nvSpPr>
-        <p:spPr/>
-        <p:txBody>
-          <a:bodyPr/>
-          <a:lstStyle/>
-          <a:p>
-            <a:r>
-              <a:rPr lang="pt-BR" sz="1600" b="1" dirty="0" smtClean="0"/>
-              <a:t>SG 1 - Aderência dos processos e produtos de trabalhos associados com as descrições do processo, padronizar e avaliar objetivamente o processo. </a:t>
-            </a:r>
-          </a:p>
-          <a:p>
-            <a:pPr lvl="1"/>
-            <a:r>
-              <a:rPr lang="pt-BR" sz="1400" dirty="0" smtClean="0"/>
-              <a:t>SP 1.1 Avaliar objetivamente processos realizados, selecionado contra descrições aplicáveis de processo, padrões e procedimentos. </a:t>
-            </a:r>
-          </a:p>
-          <a:p>
-            <a:pPr lvl="1"/>
-            <a:r>
-              <a:rPr lang="pt-BR" sz="1400" dirty="0" smtClean="0"/>
-              <a:t>SP 1.2 Avaliar objetivamente produtos de trabalho selecionado contra as descrições aplicáveis de processo, padrões e procedimentos. </a:t>
-            </a:r>
-          </a:p>
-          <a:p>
-            <a:r>
-              <a:rPr lang="pt-BR" sz="1600" b="1" dirty="0" smtClean="0"/>
-              <a:t>SG 2 - Questões de não conformidades são objetivamente rastreadas e comunicados, e é assegurada a resolução. </a:t>
-            </a:r>
-          </a:p>
-          <a:p>
-            <a:pPr lvl="1"/>
-            <a:r>
-              <a:rPr lang="pt-BR" sz="1400" dirty="0" smtClean="0"/>
-              <a:t>SP 2.1 Comunicar problemas de qualidade e garantir a resolução dos problemas de não conformidade com a equipe e gestores. </a:t>
-            </a:r>
-          </a:p>
-          <a:p>
-            <a:pPr lvl="1"/>
-            <a:r>
-              <a:rPr lang="pt-BR" sz="1400" dirty="0" smtClean="0"/>
-              <a:t>SP 2.2 Estabelecer e manter registros das atividades de garantia de qualidade.</a:t>
-            </a:r>
-            <a:endParaRPr lang="en-GB" altLang="en-US" sz="1400" i="1" dirty="0" smtClean="0">
-              <a:latin typeface="Times New Roman" pitchFamily="18" charset="0"/>
-              <a:cs typeface="Times New Roman" pitchFamily="18" charset="0"/>
-            </a:endParaRPr>
-          </a:p>
-        </p:txBody>
-      </p:sp>
-    </p:spTree>
-  </p:cSld>
-  <p:clrMapOvr>
-    <a:masterClrMapping/>
-  </p:clrMapOvr>
-  <p:timing>
-    <p:tnLst>
-      <p:par>
-        <p:cTn id="1" dur="indefinite" restart="never" nodeType="tmRoot"/>
-      </p:par>
-    </p:tnLst>
-  </p:timing>
-</p:sld>
-</file>
-
 <file path=ppt/slides/slide17.xml><?xml version="1.0" encoding="utf-8"?>
 <p:sld xmlns:a="http://schemas.openxmlformats.org/drawingml/2006/main" xmlns:r="http://schemas.openxmlformats.org/officeDocument/2006/relationships" xmlns:p="http://schemas.openxmlformats.org/presentationml/2006/main">
   <p:cSld>
@@ -8415,9 +10967,6 @@
               </a:rPr>
               <a:t> </a:t>
             </a:r>
-            <a:endParaRPr lang="en-GB" altLang="en-US" sz="1800" dirty="0" smtClean="0">
-              <a:cs typeface="Times New Roman" pitchFamily="18" charset="0"/>
-            </a:endParaRPr>
           </a:p>
           <a:p>
             <a:pPr marL="1371600" lvl="2" indent="-457200">
@@ -8613,9 +11162,6 @@
               </a:rPr>
               <a:t> de PPQA </a:t>
             </a:r>
-            <a:endParaRPr lang="en-GB" altLang="en-US" dirty="0" smtClean="0">
-              <a:cs typeface="Times New Roman" pitchFamily="18" charset="0"/>
-            </a:endParaRPr>
           </a:p>
           <a:p>
             <a:pPr marL="1371600" lvl="2" indent="-457200">
@@ -8721,9 +11267,6 @@
               </a:rPr>
               <a:t> </a:t>
             </a:r>
-            <a:endParaRPr lang="en-GB" altLang="en-US" sz="1800" dirty="0" smtClean="0">
-              <a:cs typeface="Times New Roman" pitchFamily="18" charset="0"/>
-            </a:endParaRPr>
           </a:p>
           <a:p>
             <a:pPr marL="1371600" lvl="2" indent="-457200">
@@ -9306,9 +11849,6 @@
               </a:rPr>
               <a:t> </a:t>
             </a:r>
-            <a:endParaRPr lang="en-GB" altLang="en-US" sz="1800" dirty="0" smtClean="0">
-              <a:cs typeface="Times New Roman" pitchFamily="18" charset="0"/>
-            </a:endParaRPr>
           </a:p>
           <a:p>
             <a:pPr marL="1371600" lvl="2" indent="-457200">
@@ -9522,9 +12062,6 @@
               </a:rPr>
               <a:t> de PPQA </a:t>
             </a:r>
-            <a:endParaRPr lang="en-GB" altLang="en-US" dirty="0" smtClean="0">
-              <a:cs typeface="Times New Roman" pitchFamily="18" charset="0"/>
-            </a:endParaRPr>
           </a:p>
           <a:p>
             <a:pPr marL="1371600" lvl="2" indent="-457200">
@@ -9630,9 +12167,6 @@
               </a:rPr>
               <a:t> </a:t>
             </a:r>
-            <a:endParaRPr lang="en-GB" altLang="en-US" sz="1800" dirty="0" smtClean="0">
-              <a:cs typeface="Times New Roman" pitchFamily="18" charset="0"/>
-            </a:endParaRPr>
           </a:p>
           <a:p>
             <a:pPr marL="1371600" lvl="2" indent="-457200">
@@ -12844,22 +15378,22 @@
           </a:p>
           <a:p>
             <a:r>
-              <a:rPr lang="pt-BR" dirty="0" smtClean="0"/>
-              <a:t>Avaliar objetivamente os processos.</a:t>
-            </a:r>
-          </a:p>
-          <a:p>
-            <a:endParaRPr lang="pt-BR" dirty="0" smtClean="0"/>
-          </a:p>
-          <a:p>
-            <a:endParaRPr lang="pt-BR" dirty="0" smtClean="0"/>
-          </a:p>
-          <a:p>
-            <a:r>
-              <a:rPr lang="pt-BR" dirty="0" smtClean="0"/>
-              <a:t>Avaliar objetivamente os produtos de trabalho e serviços.</a:t>
-            </a:r>
-            <a:endParaRPr lang="pt-BR" dirty="0"/>
+              <a:rPr lang="pt-BR" sz="1800" dirty="0" smtClean="0"/>
+              <a:t>4. Avaliar objetivamente os processos.</a:t>
+            </a:r>
+          </a:p>
+          <a:p>
+            <a:endParaRPr lang="pt-BR" sz="1800" dirty="0" smtClean="0"/>
+          </a:p>
+          <a:p>
+            <a:endParaRPr lang="pt-BR" sz="1800" dirty="0" smtClean="0"/>
+          </a:p>
+          <a:p>
+            <a:r>
+              <a:rPr lang="pt-BR" sz="1800" dirty="0" smtClean="0"/>
+              <a:t>3. Avaliar objetivamente os produtos de trabalho e serviços.</a:t>
+            </a:r>
+            <a:endParaRPr lang="pt-BR" sz="1800" dirty="0"/>
           </a:p>
         </p:txBody>
       </p:sp>
@@ -13020,7 +15554,7 @@
           <a:p>
             <a:r>
               <a:rPr lang="pt-BR" sz="1800" dirty="0" smtClean="0"/>
-              <a:t>Elaborar relatório de não conformidades.</a:t>
+              <a:t>5. Elaborar relatório de não conformidades.</a:t>
             </a:r>
           </a:p>
           <a:p>
@@ -13032,13 +15566,13 @@
           <a:p>
             <a:r>
               <a:rPr lang="pt-BR" sz="1800" dirty="0" smtClean="0"/>
-              <a:t>Elaborar plano de qualidade.</a:t>
+              <a:t>2. Elaborar plano de qualidade.</a:t>
             </a:r>
           </a:p>
           <a:p>
             <a:r>
               <a:rPr lang="pt-BR" sz="1800" dirty="0" smtClean="0"/>
-              <a:t>Elaborar relatório periódico de garantia da qualidade</a:t>
+              <a:t>6. Elaborar relatório periódico de garantia da qualidade</a:t>
             </a:r>
             <a:r>
               <a:rPr lang="pt-BR" dirty="0" smtClean="0"/>
@@ -13048,7 +15582,7 @@
           <a:p>
             <a:r>
               <a:rPr lang="pt-BR" sz="1800" dirty="0" smtClean="0"/>
-              <a:t>Elaborar relatório de lições aprendidas do projeto.</a:t>
+              <a:t>8. Elaborar relatório de lições aprendidas do projeto.</a:t>
             </a:r>
             <a:endParaRPr lang="pt-BR" sz="1800" dirty="0"/>
           </a:p>
